--- a/output.pptx
+++ b/output.pptx
@@ -9,6 +9,8 @@
     <p:sldId id="257" r:id="rId7"/>
     <p:sldId id="258" r:id="rId8"/>
     <p:sldId id="259" r:id="rId9"/>
+    <p:sldId id="260" r:id="rId10"/>
+    <p:sldId id="261" r:id="rId11"/>
   </p:sldIdLst>
   <p:sldSz cx="12192000" cy="6858000"/>
   <p:notesSz cx="6858000" cy="9144000"/>
@@ -110,7 +112,7 @@
 </p:presentation>
 </file>
 
-<file path=ppt/charts/chart279b297dbcba.xml><?xml version="1.0" encoding="utf-8"?>
+<file path=ppt/charts/chart1c27132f5496.xml><?xml version="1.0" encoding="utf-8"?>
 <c:chartSpace xmlns:c="http://schemas.openxmlformats.org/drawingml/2006/chart" xmlns:a="http://schemas.openxmlformats.org/drawingml/2006/main" xmlns:r="http://schemas.openxmlformats.org/officeDocument/2006/relationships">
   <c:date1904 val="0"/>
   <c:lang val="fr-FR"/>
@@ -127,8 +129,8 @@
     <c:autoTitleDeleted val="1"/>
     <c:plotArea xmlns:c="http://schemas.openxmlformats.org/drawingml/2006/chart" xmlns:a="http://schemas.openxmlformats.org/drawingml/2006/main" xmlns:r="http://schemas.openxmlformats.org/officeDocument/2006/relationships">
       <c:layout/>
-      <c:lineChart>
-        <c:grouping val="standard"/>
+      <c:scatterChart>
+        <c:scatterStyle val="marker"/>
         <c:varyColors val="0"/>
         <c:ser>
           <c:idx val="0"/>
@@ -139,23 +141,34 @@
               <c:strCache>
                 <c:ptCount val="1"/>
                 <c:pt idx="0">
-                  <c:v>France</c:v>
+                  <c:v>last_inflation</c:v>
                 </c:pt>
               </c:strCache>
             </c:strRef>
           </c:tx>
           <c:spPr>
-            <a:ln algn="ctr" w="28575">
+            <a:ln>
+              <a:noFill/>
+            </a:ln>
+          </c:spPr>
+          <c:marker>
+            <c:symbol val="circle"/>
+            <c:size val="12"/>
+            <c:spPr>
               <a:solidFill>
-                <a:srgbClr val="FAB900">
+                <a:srgbClr val="40BAD2">
                   <a:alpha val="100000"/>
                 </a:srgbClr>
               </a:solidFill>
-              <a:prstDash val="solid"/>
-            </a:ln>
-          </c:spPr>
-          <c:marker>
-            <c:symbol val="none"/>
+              <a:ln>
+                <a:solidFill>
+                  <a:srgbClr val="FFFFFF">
+                    <a:alpha val="0"/>
+                  </a:srgbClr>
+                </a:solidFill>
+              </a:ln>
+              <a:effectLst/>
+            </c:spPr>
           </c:marker>
           <c:dLbls>
             <c:dLblPos val="ctr"/>
@@ -187,1407 +200,52 @@
               </a:p>
             </c:txPr>
           </c:dLbls>
-          <c:cat>
+          <c:xVal>
             <c:numRef>
-              <c:f>sheet1!$A$2:$A$37</c:f>
+              <c:f>sheet1!$A$2:$A$6</c:f>
               <c:numCache>
-                <c:formatCode>yyyy\-mm\-dd</c:formatCode>
-                <c:ptCount val="36"/>
+                <c:ptCount val="5"/>
                 <c:pt idx="0">
-                  <c:v>43738</c:v>
+                  <c:v>3203816.8</c:v>
                 </c:pt>
                 <c:pt idx="1">
-                  <c:v>43769</c:v>
+                  <c:v>1119225.0</c:v>
                 </c:pt>
                 <c:pt idx="2">
-                  <c:v>43799</c:v>
+                  <c:v>2323177.9</c:v>
                 </c:pt>
                 <c:pt idx="3">
-                  <c:v>43830</c:v>
+                  <c:v>1677567.5</c:v>
                 </c:pt>
                 <c:pt idx="4">
-                  <c:v>43861</c:v>
-                </c:pt>
-                <c:pt idx="5">
-                  <c:v>43890</c:v>
-                </c:pt>
-                <c:pt idx="6">
-                  <c:v>43921</c:v>
-                </c:pt>
-                <c:pt idx="7">
-                  <c:v>43951</c:v>
-                </c:pt>
-                <c:pt idx="8">
-                  <c:v>43982</c:v>
-                </c:pt>
-                <c:pt idx="9">
-                  <c:v>44012</c:v>
-                </c:pt>
-                <c:pt idx="10">
-                  <c:v>44043</c:v>
-                </c:pt>
-                <c:pt idx="11">
-                  <c:v>44074</c:v>
-                </c:pt>
-                <c:pt idx="12">
-                  <c:v>44104</c:v>
-                </c:pt>
-                <c:pt idx="13">
-                  <c:v>44135</c:v>
-                </c:pt>
-                <c:pt idx="14">
-                  <c:v>44165</c:v>
-                </c:pt>
-                <c:pt idx="15">
-                  <c:v>44196</c:v>
-                </c:pt>
-                <c:pt idx="16">
-                  <c:v>44227</c:v>
-                </c:pt>
-                <c:pt idx="17">
-                  <c:v>44255</c:v>
-                </c:pt>
-                <c:pt idx="18">
-                  <c:v>44286</c:v>
-                </c:pt>
-                <c:pt idx="19">
-                  <c:v>44316</c:v>
-                </c:pt>
-                <c:pt idx="20">
-                  <c:v>44347</c:v>
-                </c:pt>
-                <c:pt idx="21">
-                  <c:v>44377</c:v>
-                </c:pt>
-                <c:pt idx="22">
-                  <c:v>44408</c:v>
-                </c:pt>
-                <c:pt idx="23">
-                  <c:v>44439</c:v>
-                </c:pt>
-                <c:pt idx="24">
-                  <c:v>44469</c:v>
-                </c:pt>
-                <c:pt idx="25">
-                  <c:v>44500</c:v>
-                </c:pt>
-                <c:pt idx="26">
-                  <c:v>44530</c:v>
-                </c:pt>
-                <c:pt idx="27">
-                  <c:v>44561</c:v>
-                </c:pt>
-                <c:pt idx="28">
-                  <c:v>44592</c:v>
-                </c:pt>
-                <c:pt idx="29">
-                  <c:v>44620</c:v>
-                </c:pt>
-                <c:pt idx="30">
-                  <c:v>44651</c:v>
-                </c:pt>
-                <c:pt idx="31">
-                  <c:v>44681</c:v>
-                </c:pt>
-                <c:pt idx="32">
-                  <c:v>44712</c:v>
-                </c:pt>
-                <c:pt idx="33">
-                  <c:v>44742</c:v>
-                </c:pt>
-                <c:pt idx="34">
-                  <c:v>44773</c:v>
-                </c:pt>
-                <c:pt idx="35">
-                  <c:v>44804</c:v>
+                  <c:v>763283.5</c:v>
                 </c:pt>
               </c:numCache>
             </c:numRef>
-          </c:cat>
-          <c:val>
+          </c:xVal>
+          <c:yVal>
             <c:numRef>
-              <c:f>sheet1!$B$2:$B$37</c:f>
+              <c:f>sheet1!$B$2:$B$6</c:f>
               <c:numCache>
-                <c:ptCount val="36"/>
+                <c:ptCount val="5"/>
                 <c:pt idx="0">
-                  <c:v>1.1</c:v>
+                  <c:v>8.8</c:v>
                 </c:pt>
                 <c:pt idx="1">
-                  <c:v>0.9</c:v>
+                  <c:v>10.3</c:v>
                 </c:pt>
                 <c:pt idx="2">
-                  <c:v>1.2</c:v>
+                  <c:v>6.5</c:v>
                 </c:pt>
                 <c:pt idx="3">
-                  <c:v>1.6</c:v>
+                  <c:v>9.0</c:v>
                 </c:pt>
                 <c:pt idx="4">
-                  <c:v>1.7</c:v>
-                </c:pt>
-                <c:pt idx="5">
-                  <c:v>1.6</c:v>
-                </c:pt>
-                <c:pt idx="6">
-                  <c:v>0.8</c:v>
-                </c:pt>
-                <c:pt idx="7">
-                  <c:v>0.4</c:v>
-                </c:pt>
-                <c:pt idx="8">
-                  <c:v>0.4</c:v>
-                </c:pt>
-                <c:pt idx="9">
-                  <c:v>0.2</c:v>
-                </c:pt>
-                <c:pt idx="10">
-                  <c:v>0.9</c:v>
-                </c:pt>
-                <c:pt idx="11">
-                  <c:v>0.2</c:v>
-                </c:pt>
-                <c:pt idx="12">
-                  <c:v>0.0</c:v>
-                </c:pt>
-                <c:pt idx="13">
-                  <c:v>0.1</c:v>
-                </c:pt>
-                <c:pt idx="14">
-                  <c:v>0.2</c:v>
-                </c:pt>
-                <c:pt idx="15">
-                  <c:v>0.0</c:v>
-                </c:pt>
-                <c:pt idx="16">
-                  <c:v>0.8</c:v>
-                </c:pt>
-                <c:pt idx="17">
-                  <c:v>0.8</c:v>
-                </c:pt>
-                <c:pt idx="18">
-                  <c:v>1.4</c:v>
-                </c:pt>
-                <c:pt idx="19">
-                  <c:v>1.6</c:v>
-                </c:pt>
-                <c:pt idx="20">
-                  <c:v>1.8</c:v>
-                </c:pt>
-                <c:pt idx="21">
-                  <c:v>1.9</c:v>
-                </c:pt>
-                <c:pt idx="22">
-                  <c:v>1.5</c:v>
-                </c:pt>
-                <c:pt idx="23">
-                  <c:v>2.4</c:v>
-                </c:pt>
-                <c:pt idx="24">
-                  <c:v>2.7</c:v>
-                </c:pt>
-                <c:pt idx="25">
-                  <c:v>3.2</c:v>
-                </c:pt>
-                <c:pt idx="26">
-                  <c:v>3.4</c:v>
-                </c:pt>
-                <c:pt idx="27">
-                  <c:v>3.4</c:v>
-                </c:pt>
-                <c:pt idx="28">
-                  <c:v>3.3</c:v>
-                </c:pt>
-                <c:pt idx="29">
-                  <c:v>4.2</c:v>
-                </c:pt>
-                <c:pt idx="30">
-                  <c:v>5.1</c:v>
-                </c:pt>
-                <c:pt idx="31">
-                  <c:v>5.4</c:v>
-                </c:pt>
-                <c:pt idx="32">
-                  <c:v>5.8</c:v>
-                </c:pt>
-                <c:pt idx="33">
-                  <c:v>6.5</c:v>
-                </c:pt>
-                <c:pt idx="34">
-                  <c:v>6.8</c:v>
-                </c:pt>
-                <c:pt idx="35">
-                  <c:v>6.5</c:v>
+                  <c:v>13.6</c:v>
                 </c:pt>
               </c:numCache>
             </c:numRef>
-          </c:val>
-          <c:smooth val="0"/>
-        </c:ser>
-        <c:ser>
-          <c:idx val="1"/>
-          <c:order val="1"/>
-          <c:tx>
-            <c:strRef>
-              <c:f>sheet1!$C$1</c:f>
-              <c:strCache>
-                <c:ptCount val="1"/>
-                <c:pt idx="0">
-                  <c:v>Germany</c:v>
-                </c:pt>
-              </c:strCache>
-            </c:strRef>
-          </c:tx>
-          <c:spPr>
-            <a:ln algn="ctr" w="28575">
-              <a:solidFill>
-                <a:srgbClr val="40BAD2">
-                  <a:alpha val="100000"/>
-                </a:srgbClr>
-              </a:solidFill>
-              <a:prstDash val="solid"/>
-            </a:ln>
-          </c:spPr>
-          <c:marker>
-            <c:symbol val="none"/>
-          </c:marker>
-          <c:dLbls>
-            <c:dLblPos val="ctr"/>
-            <c:numFmt formatCode="General" sourceLinked="0"/>
-            <c:separator val=", "/>
-            <c:showBubbleSize val="0"/>
-            <c:showCatName val="0"/>
-            <c:showLegendKey val="0"/>
-            <c:showPercent val="0"/>
-            <c:showSerName val="0"/>
-            <c:showVal val="0"/>
-            <c:txPr>
-              <a:bodyPr/>
-              <a:lstStyle/>
-              <a:p>
-                <a:pPr>
-                  <a:defRPr cap="none" i="0" b="0" u="none">
-                    <a:solidFill>
-                      <a:srgbClr val="000000">
-                        <a:alpha val="100000"/>
-                      </a:srgbClr>
-                    </a:solidFill>
-                    <a:latin typeface="Arial"/>
-                    <a:cs typeface="Arial"/>
-                    <a:ea typeface="Arial"/>
-                    <a:sym typeface="Arial"/>
-                  </a:defRPr>
-                </a:pPr>
-              </a:p>
-            </c:txPr>
-          </c:dLbls>
-          <c:cat>
-            <c:numRef>
-              <c:f>sheet1!$A$2:$A$37</c:f>
-              <c:numCache>
-                <c:formatCode>yyyy\-mm\-dd</c:formatCode>
-                <c:ptCount val="36"/>
-                <c:pt idx="0">
-                  <c:v>43738</c:v>
-                </c:pt>
-                <c:pt idx="1">
-                  <c:v>43769</c:v>
-                </c:pt>
-                <c:pt idx="2">
-                  <c:v>43799</c:v>
-                </c:pt>
-                <c:pt idx="3">
-                  <c:v>43830</c:v>
-                </c:pt>
-                <c:pt idx="4">
-                  <c:v>43861</c:v>
-                </c:pt>
-                <c:pt idx="5">
-                  <c:v>43890</c:v>
-                </c:pt>
-                <c:pt idx="6">
-                  <c:v>43921</c:v>
-                </c:pt>
-                <c:pt idx="7">
-                  <c:v>43951</c:v>
-                </c:pt>
-                <c:pt idx="8">
-                  <c:v>43982</c:v>
-                </c:pt>
-                <c:pt idx="9">
-                  <c:v>44012</c:v>
-                </c:pt>
-                <c:pt idx="10">
-                  <c:v>44043</c:v>
-                </c:pt>
-                <c:pt idx="11">
-                  <c:v>44074</c:v>
-                </c:pt>
-                <c:pt idx="12">
-                  <c:v>44104</c:v>
-                </c:pt>
-                <c:pt idx="13">
-                  <c:v>44135</c:v>
-                </c:pt>
-                <c:pt idx="14">
-                  <c:v>44165</c:v>
-                </c:pt>
-                <c:pt idx="15">
-                  <c:v>44196</c:v>
-                </c:pt>
-                <c:pt idx="16">
-                  <c:v>44227</c:v>
-                </c:pt>
-                <c:pt idx="17">
-                  <c:v>44255</c:v>
-                </c:pt>
-                <c:pt idx="18">
-                  <c:v>44286</c:v>
-                </c:pt>
-                <c:pt idx="19">
-                  <c:v>44316</c:v>
-                </c:pt>
-                <c:pt idx="20">
-                  <c:v>44347</c:v>
-                </c:pt>
-                <c:pt idx="21">
-                  <c:v>44377</c:v>
-                </c:pt>
-                <c:pt idx="22">
-                  <c:v>44408</c:v>
-                </c:pt>
-                <c:pt idx="23">
-                  <c:v>44439</c:v>
-                </c:pt>
-                <c:pt idx="24">
-                  <c:v>44469</c:v>
-                </c:pt>
-                <c:pt idx="25">
-                  <c:v>44500</c:v>
-                </c:pt>
-                <c:pt idx="26">
-                  <c:v>44530</c:v>
-                </c:pt>
-                <c:pt idx="27">
-                  <c:v>44561</c:v>
-                </c:pt>
-                <c:pt idx="28">
-                  <c:v>44592</c:v>
-                </c:pt>
-                <c:pt idx="29">
-                  <c:v>44620</c:v>
-                </c:pt>
-                <c:pt idx="30">
-                  <c:v>44651</c:v>
-                </c:pt>
-                <c:pt idx="31">
-                  <c:v>44681</c:v>
-                </c:pt>
-                <c:pt idx="32">
-                  <c:v>44712</c:v>
-                </c:pt>
-                <c:pt idx="33">
-                  <c:v>44742</c:v>
-                </c:pt>
-                <c:pt idx="34">
-                  <c:v>44773</c:v>
-                </c:pt>
-                <c:pt idx="35">
-                  <c:v>44804</c:v>
-                </c:pt>
-              </c:numCache>
-            </c:numRef>
-          </c:cat>
-          <c:val>
-            <c:numRef>
-              <c:f>sheet1!$C$2:$C$37</c:f>
-              <c:numCache>
-                <c:ptCount val="36"/>
-                <c:pt idx="0">
-                  <c:v>0.9</c:v>
-                </c:pt>
-                <c:pt idx="1">
-                  <c:v>0.9</c:v>
-                </c:pt>
-                <c:pt idx="2">
-                  <c:v>1.2</c:v>
-                </c:pt>
-                <c:pt idx="3">
-                  <c:v>1.5</c:v>
-                </c:pt>
-                <c:pt idx="4">
-                  <c:v>1.6</c:v>
-                </c:pt>
-                <c:pt idx="5">
-                  <c:v>1.7</c:v>
-                </c:pt>
-                <c:pt idx="6">
-                  <c:v>1.3</c:v>
-                </c:pt>
-                <c:pt idx="7">
-                  <c:v>0.8</c:v>
-                </c:pt>
-                <c:pt idx="8">
-                  <c:v>0.5</c:v>
-                </c:pt>
-                <c:pt idx="9">
-                  <c:v>0.8</c:v>
-                </c:pt>
-                <c:pt idx="10">
-                  <c:v>0.0</c:v>
-                </c:pt>
-                <c:pt idx="11">
-                  <c:v>-0.1</c:v>
-                </c:pt>
-                <c:pt idx="12">
-                  <c:v>-0.4</c:v>
-                </c:pt>
-                <c:pt idx="13">
-                  <c:v>-0.5</c:v>
-                </c:pt>
-                <c:pt idx="14">
-                  <c:v>-0.7</c:v>
-                </c:pt>
-                <c:pt idx="15">
-                  <c:v>-0.7</c:v>
-                </c:pt>
-                <c:pt idx="16">
-                  <c:v>1.6</c:v>
-                </c:pt>
-                <c:pt idx="17">
-                  <c:v>1.6</c:v>
-                </c:pt>
-                <c:pt idx="18">
-                  <c:v>2.0</c:v>
-                </c:pt>
-                <c:pt idx="19">
-                  <c:v>2.1</c:v>
-                </c:pt>
-                <c:pt idx="20">
-                  <c:v>2.4</c:v>
-                </c:pt>
-                <c:pt idx="21">
-                  <c:v>2.1</c:v>
-                </c:pt>
-                <c:pt idx="22">
-                  <c:v>3.1</c:v>
-                </c:pt>
-                <c:pt idx="23">
-                  <c:v>3.4</c:v>
-                </c:pt>
-                <c:pt idx="24">
-                  <c:v>4.1</c:v>
-                </c:pt>
-                <c:pt idx="25">
-                  <c:v>4.6</c:v>
-                </c:pt>
-                <c:pt idx="26">
-                  <c:v>6.0</c:v>
-                </c:pt>
-                <c:pt idx="27">
-                  <c:v>5.7</c:v>
-                </c:pt>
-                <c:pt idx="28">
-                  <c:v>5.1</c:v>
-                </c:pt>
-                <c:pt idx="29">
-                  <c:v>5.5</c:v>
-                </c:pt>
-                <c:pt idx="30">
-                  <c:v>7.6</c:v>
-                </c:pt>
-                <c:pt idx="31">
-                  <c:v>7.8</c:v>
-                </c:pt>
-                <c:pt idx="32">
-                  <c:v>8.7</c:v>
-                </c:pt>
-                <c:pt idx="33">
-                  <c:v>8.2</c:v>
-                </c:pt>
-                <c:pt idx="34">
-                  <c:v>8.5</c:v>
-                </c:pt>
-                <c:pt idx="35">
-                  <c:v>8.8</c:v>
-                </c:pt>
-              </c:numCache>
-            </c:numRef>
-          </c:val>
-          <c:smooth val="0"/>
-        </c:ser>
-        <c:ser>
-          <c:idx val="2"/>
-          <c:order val="2"/>
-          <c:tx>
-            <c:strRef>
-              <c:f>sheet1!$D$1</c:f>
-              <c:strCache>
-                <c:ptCount val="1"/>
-                <c:pt idx="0">
-                  <c:v>Italy</c:v>
-                </c:pt>
-              </c:strCache>
-            </c:strRef>
-          </c:tx>
-          <c:spPr>
-            <a:ln algn="ctr" w="28575">
-              <a:solidFill>
-                <a:srgbClr val="90BB23">
-                  <a:alpha val="100000"/>
-                </a:srgbClr>
-              </a:solidFill>
-              <a:prstDash val="solid"/>
-            </a:ln>
-          </c:spPr>
-          <c:marker>
-            <c:symbol val="none"/>
-          </c:marker>
-          <c:dLbls>
-            <c:dLblPos val="ctr"/>
-            <c:numFmt formatCode="General" sourceLinked="0"/>
-            <c:separator val=", "/>
-            <c:showBubbleSize val="0"/>
-            <c:showCatName val="0"/>
-            <c:showLegendKey val="0"/>
-            <c:showPercent val="0"/>
-            <c:showSerName val="0"/>
-            <c:showVal val="0"/>
-            <c:txPr>
-              <a:bodyPr/>
-              <a:lstStyle/>
-              <a:p>
-                <a:pPr>
-                  <a:defRPr cap="none" i="0" b="0" u="none">
-                    <a:solidFill>
-                      <a:srgbClr val="000000">
-                        <a:alpha val="100000"/>
-                      </a:srgbClr>
-                    </a:solidFill>
-                    <a:latin typeface="Arial"/>
-                    <a:cs typeface="Arial"/>
-                    <a:ea typeface="Arial"/>
-                    <a:sym typeface="Arial"/>
-                  </a:defRPr>
-                </a:pPr>
-              </a:p>
-            </c:txPr>
-          </c:dLbls>
-          <c:cat>
-            <c:numRef>
-              <c:f>sheet1!$A$2:$A$37</c:f>
-              <c:numCache>
-                <c:formatCode>yyyy\-mm\-dd</c:formatCode>
-                <c:ptCount val="36"/>
-                <c:pt idx="0">
-                  <c:v>43738</c:v>
-                </c:pt>
-                <c:pt idx="1">
-                  <c:v>43769</c:v>
-                </c:pt>
-                <c:pt idx="2">
-                  <c:v>43799</c:v>
-                </c:pt>
-                <c:pt idx="3">
-                  <c:v>43830</c:v>
-                </c:pt>
-                <c:pt idx="4">
-                  <c:v>43861</c:v>
-                </c:pt>
-                <c:pt idx="5">
-                  <c:v>43890</c:v>
-                </c:pt>
-                <c:pt idx="6">
-                  <c:v>43921</c:v>
-                </c:pt>
-                <c:pt idx="7">
-                  <c:v>43951</c:v>
-                </c:pt>
-                <c:pt idx="8">
-                  <c:v>43982</c:v>
-                </c:pt>
-                <c:pt idx="9">
-                  <c:v>44012</c:v>
-                </c:pt>
-                <c:pt idx="10">
-                  <c:v>44043</c:v>
-                </c:pt>
-                <c:pt idx="11">
-                  <c:v>44074</c:v>
-                </c:pt>
-                <c:pt idx="12">
-                  <c:v>44104</c:v>
-                </c:pt>
-                <c:pt idx="13">
-                  <c:v>44135</c:v>
-                </c:pt>
-                <c:pt idx="14">
-                  <c:v>44165</c:v>
-                </c:pt>
-                <c:pt idx="15">
-                  <c:v>44196</c:v>
-                </c:pt>
-                <c:pt idx="16">
-                  <c:v>44227</c:v>
-                </c:pt>
-                <c:pt idx="17">
-                  <c:v>44255</c:v>
-                </c:pt>
-                <c:pt idx="18">
-                  <c:v>44286</c:v>
-                </c:pt>
-                <c:pt idx="19">
-                  <c:v>44316</c:v>
-                </c:pt>
-                <c:pt idx="20">
-                  <c:v>44347</c:v>
-                </c:pt>
-                <c:pt idx="21">
-                  <c:v>44377</c:v>
-                </c:pt>
-                <c:pt idx="22">
-                  <c:v>44408</c:v>
-                </c:pt>
-                <c:pt idx="23">
-                  <c:v>44439</c:v>
-                </c:pt>
-                <c:pt idx="24">
-                  <c:v>44469</c:v>
-                </c:pt>
-                <c:pt idx="25">
-                  <c:v>44500</c:v>
-                </c:pt>
-                <c:pt idx="26">
-                  <c:v>44530</c:v>
-                </c:pt>
-                <c:pt idx="27">
-                  <c:v>44561</c:v>
-                </c:pt>
-                <c:pt idx="28">
-                  <c:v>44592</c:v>
-                </c:pt>
-                <c:pt idx="29">
-                  <c:v>44620</c:v>
-                </c:pt>
-                <c:pt idx="30">
-                  <c:v>44651</c:v>
-                </c:pt>
-                <c:pt idx="31">
-                  <c:v>44681</c:v>
-                </c:pt>
-                <c:pt idx="32">
-                  <c:v>44712</c:v>
-                </c:pt>
-                <c:pt idx="33">
-                  <c:v>44742</c:v>
-                </c:pt>
-                <c:pt idx="34">
-                  <c:v>44773</c:v>
-                </c:pt>
-                <c:pt idx="35">
-                  <c:v>44804</c:v>
-                </c:pt>
-              </c:numCache>
-            </c:numRef>
-          </c:cat>
-          <c:val>
-            <c:numRef>
-              <c:f>sheet1!$D$2:$D$37</c:f>
-              <c:numCache>
-                <c:ptCount val="36"/>
-                <c:pt idx="0">
-                  <c:v>0.2</c:v>
-                </c:pt>
-                <c:pt idx="1">
-                  <c:v>0.2</c:v>
-                </c:pt>
-                <c:pt idx="2">
-                  <c:v>0.2</c:v>
-                </c:pt>
-                <c:pt idx="3">
-                  <c:v>0.5</c:v>
-                </c:pt>
-                <c:pt idx="4">
-                  <c:v>0.4</c:v>
-                </c:pt>
-                <c:pt idx="5">
-                  <c:v>0.2</c:v>
-                </c:pt>
-                <c:pt idx="6">
-                  <c:v>0.1</c:v>
-                </c:pt>
-                <c:pt idx="7">
-                  <c:v>0.1</c:v>
-                </c:pt>
-                <c:pt idx="8">
-                  <c:v>-0.3</c:v>
-                </c:pt>
-                <c:pt idx="9">
-                  <c:v>-0.4</c:v>
-                </c:pt>
-                <c:pt idx="10">
-                  <c:v>0.8</c:v>
-                </c:pt>
-                <c:pt idx="11">
-                  <c:v>-0.5</c:v>
-                </c:pt>
-                <c:pt idx="12">
-                  <c:v>-1.0</c:v>
-                </c:pt>
-                <c:pt idx="13">
-                  <c:v>-0.6</c:v>
-                </c:pt>
-                <c:pt idx="14">
-                  <c:v>-0.3</c:v>
-                </c:pt>
-                <c:pt idx="15">
-                  <c:v>-0.3</c:v>
-                </c:pt>
-                <c:pt idx="16">
-                  <c:v>0.7</c:v>
-                </c:pt>
-                <c:pt idx="17">
-                  <c:v>1.0</c:v>
-                </c:pt>
-                <c:pt idx="18">
-                  <c:v>0.6</c:v>
-                </c:pt>
-                <c:pt idx="19">
-                  <c:v>1.0</c:v>
-                </c:pt>
-                <c:pt idx="20">
-                  <c:v>1.2</c:v>
-                </c:pt>
-                <c:pt idx="21">
-                  <c:v>1.3</c:v>
-                </c:pt>
-                <c:pt idx="22">
-                  <c:v>1.0</c:v>
-                </c:pt>
-                <c:pt idx="23">
-                  <c:v>2.5</c:v>
-                </c:pt>
-                <c:pt idx="24">
-                  <c:v>2.9</c:v>
-                </c:pt>
-                <c:pt idx="25">
-                  <c:v>3.2</c:v>
-                </c:pt>
-                <c:pt idx="26">
-                  <c:v>3.9</c:v>
-                </c:pt>
-                <c:pt idx="27">
-                  <c:v>4.2</c:v>
-                </c:pt>
-                <c:pt idx="28">
-                  <c:v>5.1</c:v>
-                </c:pt>
-                <c:pt idx="29">
-                  <c:v>6.2</c:v>
-                </c:pt>
-                <c:pt idx="30">
-                  <c:v>6.8</c:v>
-                </c:pt>
-                <c:pt idx="31">
-                  <c:v>6.3</c:v>
-                </c:pt>
-                <c:pt idx="32">
-                  <c:v>7.3</c:v>
-                </c:pt>
-                <c:pt idx="33">
-                  <c:v>8.5</c:v>
-                </c:pt>
-                <c:pt idx="34">
-                  <c:v>8.4</c:v>
-                </c:pt>
-                <c:pt idx="35">
-                  <c:v>9.0</c:v>
-                </c:pt>
-              </c:numCache>
-            </c:numRef>
-          </c:val>
-          <c:smooth val="0"/>
-        </c:ser>
-        <c:ser>
-          <c:idx val="3"/>
-          <c:order val="3"/>
-          <c:tx>
-            <c:strRef>
-              <c:f>sheet1!$E$1</c:f>
-              <c:strCache>
-                <c:ptCount val="1"/>
-                <c:pt idx="0">
-                  <c:v>Netherlands</c:v>
-                </c:pt>
-              </c:strCache>
-            </c:strRef>
-          </c:tx>
-          <c:spPr>
-            <a:ln algn="ctr" w="28575">
-              <a:solidFill>
-                <a:srgbClr val="1AB39F">
-                  <a:alpha val="100000"/>
-                </a:srgbClr>
-              </a:solidFill>
-              <a:prstDash val="solid"/>
-            </a:ln>
-          </c:spPr>
-          <c:marker>
-            <c:symbol val="none"/>
-          </c:marker>
-          <c:dLbls>
-            <c:dLblPos val="ctr"/>
-            <c:numFmt formatCode="General" sourceLinked="0"/>
-            <c:separator val=", "/>
-            <c:showBubbleSize val="0"/>
-            <c:showCatName val="0"/>
-            <c:showLegendKey val="0"/>
-            <c:showPercent val="0"/>
-            <c:showSerName val="0"/>
-            <c:showVal val="0"/>
-            <c:txPr>
-              <a:bodyPr/>
-              <a:lstStyle/>
-              <a:p>
-                <a:pPr>
-                  <a:defRPr cap="none" i="0" b="0" u="none">
-                    <a:solidFill>
-                      <a:srgbClr val="000000">
-                        <a:alpha val="100000"/>
-                      </a:srgbClr>
-                    </a:solidFill>
-                    <a:latin typeface="Arial"/>
-                    <a:cs typeface="Arial"/>
-                    <a:ea typeface="Arial"/>
-                    <a:sym typeface="Arial"/>
-                  </a:defRPr>
-                </a:pPr>
-              </a:p>
-            </c:txPr>
-          </c:dLbls>
-          <c:cat>
-            <c:numRef>
-              <c:f>sheet1!$A$2:$A$37</c:f>
-              <c:numCache>
-                <c:formatCode>yyyy\-mm\-dd</c:formatCode>
-                <c:ptCount val="36"/>
-                <c:pt idx="0">
-                  <c:v>43738</c:v>
-                </c:pt>
-                <c:pt idx="1">
-                  <c:v>43769</c:v>
-                </c:pt>
-                <c:pt idx="2">
-                  <c:v>43799</c:v>
-                </c:pt>
-                <c:pt idx="3">
-                  <c:v>43830</c:v>
-                </c:pt>
-                <c:pt idx="4">
-                  <c:v>43861</c:v>
-                </c:pt>
-                <c:pt idx="5">
-                  <c:v>43890</c:v>
-                </c:pt>
-                <c:pt idx="6">
-                  <c:v>43921</c:v>
-                </c:pt>
-                <c:pt idx="7">
-                  <c:v>43951</c:v>
-                </c:pt>
-                <c:pt idx="8">
-                  <c:v>43982</c:v>
-                </c:pt>
-                <c:pt idx="9">
-                  <c:v>44012</c:v>
-                </c:pt>
-                <c:pt idx="10">
-                  <c:v>44043</c:v>
-                </c:pt>
-                <c:pt idx="11">
-                  <c:v>44074</c:v>
-                </c:pt>
-                <c:pt idx="12">
-                  <c:v>44104</c:v>
-                </c:pt>
-                <c:pt idx="13">
-                  <c:v>44135</c:v>
-                </c:pt>
-                <c:pt idx="14">
-                  <c:v>44165</c:v>
-                </c:pt>
-                <c:pt idx="15">
-                  <c:v>44196</c:v>
-                </c:pt>
-                <c:pt idx="16">
-                  <c:v>44227</c:v>
-                </c:pt>
-                <c:pt idx="17">
-                  <c:v>44255</c:v>
-                </c:pt>
-                <c:pt idx="18">
-                  <c:v>44286</c:v>
-                </c:pt>
-                <c:pt idx="19">
-                  <c:v>44316</c:v>
-                </c:pt>
-                <c:pt idx="20">
-                  <c:v>44347</c:v>
-                </c:pt>
-                <c:pt idx="21">
-                  <c:v>44377</c:v>
-                </c:pt>
-                <c:pt idx="22">
-                  <c:v>44408</c:v>
-                </c:pt>
-                <c:pt idx="23">
-                  <c:v>44439</c:v>
-                </c:pt>
-                <c:pt idx="24">
-                  <c:v>44469</c:v>
-                </c:pt>
-                <c:pt idx="25">
-                  <c:v>44500</c:v>
-                </c:pt>
-                <c:pt idx="26">
-                  <c:v>44530</c:v>
-                </c:pt>
-                <c:pt idx="27">
-                  <c:v>44561</c:v>
-                </c:pt>
-                <c:pt idx="28">
-                  <c:v>44592</c:v>
-                </c:pt>
-                <c:pt idx="29">
-                  <c:v>44620</c:v>
-                </c:pt>
-                <c:pt idx="30">
-                  <c:v>44651</c:v>
-                </c:pt>
-                <c:pt idx="31">
-                  <c:v>44681</c:v>
-                </c:pt>
-                <c:pt idx="32">
-                  <c:v>44712</c:v>
-                </c:pt>
-                <c:pt idx="33">
-                  <c:v>44742</c:v>
-                </c:pt>
-                <c:pt idx="34">
-                  <c:v>44773</c:v>
-                </c:pt>
-                <c:pt idx="35">
-                  <c:v>44804</c:v>
-                </c:pt>
-              </c:numCache>
-            </c:numRef>
-          </c:cat>
-          <c:val>
-            <c:numRef>
-              <c:f>sheet1!$E$2:$E$37</c:f>
-              <c:numCache>
-                <c:ptCount val="36"/>
-                <c:pt idx="0">
-                  <c:v>2.7</c:v>
-                </c:pt>
-                <c:pt idx="1">
-                  <c:v>2.8</c:v>
-                </c:pt>
-                <c:pt idx="2">
-                  <c:v>2.6</c:v>
-                </c:pt>
-                <c:pt idx="3">
-                  <c:v>2.8</c:v>
-                </c:pt>
-                <c:pt idx="4">
-                  <c:v>1.7</c:v>
-                </c:pt>
-                <c:pt idx="5">
-                  <c:v>1.3</c:v>
-                </c:pt>
-                <c:pt idx="6">
-                  <c:v>1.1</c:v>
-                </c:pt>
-                <c:pt idx="7">
-                  <c:v>1.0</c:v>
-                </c:pt>
-                <c:pt idx="8">
-                  <c:v>1.1</c:v>
-                </c:pt>
-                <c:pt idx="9">
-                  <c:v>1.7</c:v>
-                </c:pt>
-                <c:pt idx="10">
-                  <c:v>1.6</c:v>
-                </c:pt>
-                <c:pt idx="11">
-                  <c:v>0.3</c:v>
-                </c:pt>
-                <c:pt idx="12">
-                  <c:v>1.0</c:v>
-                </c:pt>
-                <c:pt idx="13">
-                  <c:v>1.2</c:v>
-                </c:pt>
-                <c:pt idx="14">
-                  <c:v>0.7</c:v>
-                </c:pt>
-                <c:pt idx="15">
-                  <c:v>0.9</c:v>
-                </c:pt>
-                <c:pt idx="16">
-                  <c:v>1.6</c:v>
-                </c:pt>
-                <c:pt idx="17">
-                  <c:v>1.9</c:v>
-                </c:pt>
-                <c:pt idx="18">
-                  <c:v>1.9</c:v>
-                </c:pt>
-                <c:pt idx="19">
-                  <c:v>1.7</c:v>
-                </c:pt>
-                <c:pt idx="20">
-                  <c:v>2.0</c:v>
-                </c:pt>
-                <c:pt idx="21">
-                  <c:v>1.7</c:v>
-                </c:pt>
-                <c:pt idx="22">
-                  <c:v>1.4</c:v>
-                </c:pt>
-                <c:pt idx="23">
-                  <c:v>2.7</c:v>
-                </c:pt>
-                <c:pt idx="24">
-                  <c:v>3.0</c:v>
-                </c:pt>
-                <c:pt idx="25">
-                  <c:v>3.7</c:v>
-                </c:pt>
-                <c:pt idx="26">
-                  <c:v>5.9</c:v>
-                </c:pt>
-                <c:pt idx="27">
-                  <c:v>6.4</c:v>
-                </c:pt>
-                <c:pt idx="28">
-                  <c:v>7.6</c:v>
-                </c:pt>
-                <c:pt idx="29">
-                  <c:v>7.3</c:v>
-                </c:pt>
-                <c:pt idx="30">
-                  <c:v>11.7</c:v>
-                </c:pt>
-                <c:pt idx="31">
-                  <c:v>11.2</c:v>
-                </c:pt>
-                <c:pt idx="32">
-                  <c:v>10.2</c:v>
-                </c:pt>
-                <c:pt idx="33">
-                  <c:v>9.9</c:v>
-                </c:pt>
-                <c:pt idx="34">
-                  <c:v>11.6</c:v>
-                </c:pt>
-                <c:pt idx="35">
-                  <c:v>13.6</c:v>
-                </c:pt>
-              </c:numCache>
-            </c:numRef>
-          </c:val>
-          <c:smooth val="0"/>
-        </c:ser>
-        <c:ser>
-          <c:idx val="4"/>
-          <c:order val="4"/>
-          <c:tx>
-            <c:strRef>
-              <c:f>sheet1!$F$1</c:f>
-              <c:strCache>
-                <c:ptCount val="1"/>
-                <c:pt idx="0">
-                  <c:v>Spain</c:v>
-                </c:pt>
-              </c:strCache>
-            </c:strRef>
-          </c:tx>
-          <c:spPr>
-            <a:ln algn="ctr" w="28575">
-              <a:solidFill>
-                <a:srgbClr val="EE7008">
-                  <a:alpha val="100000"/>
-                </a:srgbClr>
-              </a:solidFill>
-              <a:prstDash val="solid"/>
-            </a:ln>
-          </c:spPr>
-          <c:marker>
-            <c:symbol val="none"/>
-          </c:marker>
-          <c:dLbls>
-            <c:dLblPos val="ctr"/>
-            <c:numFmt formatCode="General" sourceLinked="0"/>
-            <c:separator val=", "/>
-            <c:showBubbleSize val="0"/>
-            <c:showCatName val="0"/>
-            <c:showLegendKey val="0"/>
-            <c:showPercent val="0"/>
-            <c:showSerName val="0"/>
-            <c:showVal val="0"/>
-            <c:txPr>
-              <a:bodyPr/>
-              <a:lstStyle/>
-              <a:p>
-                <a:pPr>
-                  <a:defRPr cap="none" i="0" b="0" u="none">
-                    <a:solidFill>
-                      <a:srgbClr val="000000">
-                        <a:alpha val="100000"/>
-                      </a:srgbClr>
-                    </a:solidFill>
-                    <a:latin typeface="Arial"/>
-                    <a:cs typeface="Arial"/>
-                    <a:ea typeface="Arial"/>
-                    <a:sym typeface="Arial"/>
-                  </a:defRPr>
-                </a:pPr>
-              </a:p>
-            </c:txPr>
-          </c:dLbls>
-          <c:cat>
-            <c:numRef>
-              <c:f>sheet1!$A$2:$A$37</c:f>
-              <c:numCache>
-                <c:formatCode>yyyy\-mm\-dd</c:formatCode>
-                <c:ptCount val="36"/>
-                <c:pt idx="0">
-                  <c:v>43738</c:v>
-                </c:pt>
-                <c:pt idx="1">
-                  <c:v>43769</c:v>
-                </c:pt>
-                <c:pt idx="2">
-                  <c:v>43799</c:v>
-                </c:pt>
-                <c:pt idx="3">
-                  <c:v>43830</c:v>
-                </c:pt>
-                <c:pt idx="4">
-                  <c:v>43861</c:v>
-                </c:pt>
-                <c:pt idx="5">
-                  <c:v>43890</c:v>
-                </c:pt>
-                <c:pt idx="6">
-                  <c:v>43921</c:v>
-                </c:pt>
-                <c:pt idx="7">
-                  <c:v>43951</c:v>
-                </c:pt>
-                <c:pt idx="8">
-                  <c:v>43982</c:v>
-                </c:pt>
-                <c:pt idx="9">
-                  <c:v>44012</c:v>
-                </c:pt>
-                <c:pt idx="10">
-                  <c:v>44043</c:v>
-                </c:pt>
-                <c:pt idx="11">
-                  <c:v>44074</c:v>
-                </c:pt>
-                <c:pt idx="12">
-                  <c:v>44104</c:v>
-                </c:pt>
-                <c:pt idx="13">
-                  <c:v>44135</c:v>
-                </c:pt>
-                <c:pt idx="14">
-                  <c:v>44165</c:v>
-                </c:pt>
-                <c:pt idx="15">
-                  <c:v>44196</c:v>
-                </c:pt>
-                <c:pt idx="16">
-                  <c:v>44227</c:v>
-                </c:pt>
-                <c:pt idx="17">
-                  <c:v>44255</c:v>
-                </c:pt>
-                <c:pt idx="18">
-                  <c:v>44286</c:v>
-                </c:pt>
-                <c:pt idx="19">
-                  <c:v>44316</c:v>
-                </c:pt>
-                <c:pt idx="20">
-                  <c:v>44347</c:v>
-                </c:pt>
-                <c:pt idx="21">
-                  <c:v>44377</c:v>
-                </c:pt>
-                <c:pt idx="22">
-                  <c:v>44408</c:v>
-                </c:pt>
-                <c:pt idx="23">
-                  <c:v>44439</c:v>
-                </c:pt>
-                <c:pt idx="24">
-                  <c:v>44469</c:v>
-                </c:pt>
-                <c:pt idx="25">
-                  <c:v>44500</c:v>
-                </c:pt>
-                <c:pt idx="26">
-                  <c:v>44530</c:v>
-                </c:pt>
-                <c:pt idx="27">
-                  <c:v>44561</c:v>
-                </c:pt>
-                <c:pt idx="28">
-                  <c:v>44592</c:v>
-                </c:pt>
-                <c:pt idx="29">
-                  <c:v>44620</c:v>
-                </c:pt>
-                <c:pt idx="30">
-                  <c:v>44651</c:v>
-                </c:pt>
-                <c:pt idx="31">
-                  <c:v>44681</c:v>
-                </c:pt>
-                <c:pt idx="32">
-                  <c:v>44712</c:v>
-                </c:pt>
-                <c:pt idx="33">
-                  <c:v>44742</c:v>
-                </c:pt>
-                <c:pt idx="34">
-                  <c:v>44773</c:v>
-                </c:pt>
-                <c:pt idx="35">
-                  <c:v>44804</c:v>
-                </c:pt>
-              </c:numCache>
-            </c:numRef>
-          </c:cat>
-          <c:val>
-            <c:numRef>
-              <c:f>sheet1!$F$2:$F$37</c:f>
-              <c:numCache>
-                <c:ptCount val="36"/>
-                <c:pt idx="0">
-                  <c:v>0.2</c:v>
-                </c:pt>
-                <c:pt idx="1">
-                  <c:v>0.2</c:v>
-                </c:pt>
-                <c:pt idx="2">
-                  <c:v>0.5</c:v>
-                </c:pt>
-                <c:pt idx="3">
-                  <c:v>0.8</c:v>
-                </c:pt>
-                <c:pt idx="4">
-                  <c:v>1.1</c:v>
-                </c:pt>
-                <c:pt idx="5">
-                  <c:v>0.9</c:v>
-                </c:pt>
-                <c:pt idx="6">
-                  <c:v>0.1</c:v>
-                </c:pt>
-                <c:pt idx="7">
-                  <c:v>-0.7</c:v>
-                </c:pt>
-                <c:pt idx="8">
-                  <c:v>-0.9</c:v>
-                </c:pt>
-                <c:pt idx="9">
-                  <c:v>-0.3</c:v>
-                </c:pt>
-                <c:pt idx="10">
-                  <c:v>-0.7</c:v>
-                </c:pt>
-                <c:pt idx="11">
-                  <c:v>-0.6</c:v>
-                </c:pt>
-                <c:pt idx="12">
-                  <c:v>-0.6</c:v>
-                </c:pt>
-                <c:pt idx="13">
-                  <c:v>-0.9</c:v>
-                </c:pt>
-                <c:pt idx="14">
-                  <c:v>-0.8</c:v>
-                </c:pt>
-                <c:pt idx="15">
-                  <c:v>-0.6</c:v>
-                </c:pt>
-                <c:pt idx="16">
-                  <c:v>0.4</c:v>
-                </c:pt>
-                <c:pt idx="17">
-                  <c:v>-0.1</c:v>
-                </c:pt>
-                <c:pt idx="18">
-                  <c:v>1.2</c:v>
-                </c:pt>
-                <c:pt idx="19">
-                  <c:v>2.0</c:v>
-                </c:pt>
-                <c:pt idx="20">
-                  <c:v>2.4</c:v>
-                </c:pt>
-                <c:pt idx="21">
-                  <c:v>2.5</c:v>
-                </c:pt>
-                <c:pt idx="22">
-                  <c:v>2.9</c:v>
-                </c:pt>
-                <c:pt idx="23">
-                  <c:v>3.3</c:v>
-                </c:pt>
-                <c:pt idx="24">
-                  <c:v>4.0</c:v>
-                </c:pt>
-                <c:pt idx="25">
-                  <c:v>5.4</c:v>
-                </c:pt>
-                <c:pt idx="26">
-                  <c:v>5.5</c:v>
-                </c:pt>
-                <c:pt idx="27">
-                  <c:v>6.6</c:v>
-                </c:pt>
-                <c:pt idx="28">
-                  <c:v>6.2</c:v>
-                </c:pt>
-                <c:pt idx="29">
-                  <c:v>7.6</c:v>
-                </c:pt>
-                <c:pt idx="30">
-                  <c:v>9.8</c:v>
-                </c:pt>
-                <c:pt idx="31">
-                  <c:v>8.3</c:v>
-                </c:pt>
-                <c:pt idx="32">
-                  <c:v>8.5</c:v>
-                </c:pt>
-                <c:pt idx="33">
-                  <c:v>10.0</c:v>
-                </c:pt>
-                <c:pt idx="34">
-                  <c:v>10.7</c:v>
-                </c:pt>
-                <c:pt idx="35">
-                  <c:v>10.3</c:v>
-                </c:pt>
-              </c:numCache>
-            </c:numRef>
-          </c:val>
+          </c:yVal>
           <c:smooth val="0"/>
         </c:ser>
         <c:dLbls>
@@ -1603,14 +261,45 @@
         </c:dLbls>
         <c:axId val="64451712"/>
         <c:axId val="64453248"/>
-      </c:lineChart>
-      <c:dateAx>
+      </c:scatterChart>
+      <c:valAx>
         <c:axId val="64451712"/>
         <c:scaling>
           <c:orientation val="minMax"/>
+          <c:max val="3500000.00"/>
+          <c:min val="500000.00"/>
         </c:scaling>
         <c:delete val="0"/>
         <c:axPos val="l"/>
+        <c:title>
+          <c:tx>
+            <c:rich>
+              <a:bodyPr rot="0" vert="horz" anchor="ctr"/>
+              <a:lstStyle/>
+              <a:p>
+                <a:pPr>
+                  <a:defRPr/>
+                </a:pPr>
+                <a:r>
+                  <a:rPr cap="none" sz="1000" i="0" b="0" u="none">
+                    <a:solidFill>
+                      <a:srgbClr val="595959">
+                        <a:alpha val="100000"/>
+                      </a:srgbClr>
+                    </a:solidFill>
+                    <a:latin typeface="Corbel"/>
+                    <a:cs typeface="Corbel"/>
+                    <a:ea typeface="Corbel"/>
+                    <a:sym typeface="Corbel"/>
+                  </a:rPr>
+                  <a:t>Latest GDP value (2015 EUR million)</a:t>
+                </a:r>
+              </a:p>
+            </c:rich>
+          </c:tx>
+          <c:layout/>
+          <c:overlay val="0"/>
+        </c:title>
         <c:majorTickMark val="none"/>
         <c:minorTickMark val="none"/>
         <c:tickLblPos val="low"/>
@@ -1643,17 +332,48 @@
             <a:prstDash val="solid"/>
           </a:ln>
         </c:spPr>
-        <c:numFmt formatCode="mm/yy" sourceLinked="0"/>
+        <c:numFmt formatCode="#,##0" sourceLinked="0"/>
         <c:crossAx val="64453248"/>
         <c:crosses val="autoZero"/>
-      </c:dateAx>
+      </c:valAx>
       <c:valAx>
         <c:axId val="64453248"/>
         <c:scaling>
           <c:orientation val="minMax"/>
+          <c:max val="14.00"/>
+          <c:min val="6.00"/>
         </c:scaling>
         <c:delete val="0"/>
         <c:axPos val="l"/>
+        <c:title>
+          <c:tx>
+            <c:rich>
+              <a:bodyPr rot="16200000" vert="horz" anchor="ctr"/>
+              <a:lstStyle/>
+              <a:p>
+                <a:pPr>
+                  <a:defRPr/>
+                </a:pPr>
+                <a:r>
+                  <a:rPr cap="none" sz="1000" i="0" b="0" u="none">
+                    <a:solidFill>
+                      <a:srgbClr val="595959">
+                        <a:alpha val="100000"/>
+                      </a:srgbClr>
+                    </a:solidFill>
+                    <a:latin typeface="Corbel"/>
+                    <a:cs typeface="Corbel"/>
+                    <a:ea typeface="Corbel"/>
+                    <a:sym typeface="Corbel"/>
+                  </a:rPr>
+                  <a:t>Latest CPI value (%; y-o-y)</a:t>
+                </a:r>
+              </a:p>
+            </c:rich>
+          </c:tx>
+          <c:layout/>
+          <c:overlay val="0"/>
+        </c:title>
         <c:majorTickMark val="none"/>
         <c:minorTickMark val="none"/>
         <c:tickLblPos val="nextTo"/>
@@ -1691,30 +411,6 @@
         <c:crosses val="autoZero"/>
       </c:valAx>
     </c:plotArea>
-    <c:legend>
-      <c:legendPos val="b"/>
-      <c:layout/>
-      <c:overlay val="0"/>
-      <c:txPr xmlns:c="http://schemas.openxmlformats.org/drawingml/2006/chart" xmlns:a="http://schemas.openxmlformats.org/drawingml/2006/main">
-        <a:bodyPr/>
-        <a:lstStyle/>
-        <a:p>
-          <a:pPr>
-            <a:defRPr cap="none" sz="1200" i="0" b="0" u="none">
-              <a:solidFill>
-                <a:srgbClr val="595959">
-                  <a:alpha val="100000"/>
-                </a:srgbClr>
-              </a:solidFill>
-              <a:latin typeface="Corbel"/>
-              <a:cs typeface="Corbel"/>
-              <a:ea typeface="Corbel"/>
-              <a:sym typeface="Corbel"/>
-            </a:defRPr>
-          </a:pPr>
-        </a:p>
-      </c:txPr>
-    </c:legend>
     <c:plotVisOnly val="1"/>
     <c:dispBlanksAs val="gap"/>
     <c:showDLblsOverMax val="0"/>
@@ -1735,7 +431,7 @@
 </c:chartSpace>
 </file>
 
-<file path=ppt/charts/chart279b6a8eb5af.xml><?xml version="1.0" encoding="utf-8"?>
+<file path=ppt/charts/chart1c272266c9ec.xml><?xml version="1.0" encoding="utf-8"?>
 <c:chartSpace xmlns:c="http://schemas.openxmlformats.org/drawingml/2006/chart" xmlns:a="http://schemas.openxmlformats.org/drawingml/2006/main" xmlns:r="http://schemas.openxmlformats.org/officeDocument/2006/relationships">
   <c:date1904 val="0"/>
   <c:lang val="fr-FR"/>
@@ -1966,6 +662,1631 @@
         <c:crosses val="autoZero"/>
       </c:valAx>
     </c:plotArea>
+    <c:plotVisOnly val="1"/>
+    <c:dispBlanksAs val="gap"/>
+    <c:showDLblsOverMax val="0"/>
+  </c:chart>
+  <c:txPr>
+    <a:bodyPr/>
+    <a:lstStyle/>
+    <a:p>
+      <a:pPr>
+        <a:defRPr sz="1800"/>
+      </a:pPr>
+      <a:endParaRPr lang="fr-FR"/>
+    </a:p>
+  </c:txPr>
+  <c:externalData r:id="rId1">
+    <c:autoUpdate val="0"/>
+  </c:externalData>
+</c:chartSpace>
+</file>
+
+<file path=ppt/charts/chart1c2768f77706.xml><?xml version="1.0" encoding="utf-8"?>
+<c:chartSpace xmlns:c="http://schemas.openxmlformats.org/drawingml/2006/chart" xmlns:a="http://schemas.openxmlformats.org/drawingml/2006/main" xmlns:r="http://schemas.openxmlformats.org/officeDocument/2006/relationships">
+  <c:date1904 val="0"/>
+  <c:lang val="fr-FR"/>
+  <c:roundedCorners val="0"/>
+  <mc:AlternateContent xmlns:mc="http://schemas.openxmlformats.org/markup-compatibility/2006">
+    <mc:Choice xmlns:c14="http://schemas.microsoft.com/office/drawing/2007/8/2/chart" Requires="c14">
+      <c14:style val="118"/>
+    </mc:Choice>
+    <mc:Fallback>
+      <c:style val="18"/>
+    </mc:Fallback>
+  </mc:AlternateContent>
+  <c:chart>
+    <c:autoTitleDeleted val="1"/>
+    <c:plotArea xmlns:c="http://schemas.openxmlformats.org/drawingml/2006/chart" xmlns:a="http://schemas.openxmlformats.org/drawingml/2006/main" xmlns:r="http://schemas.openxmlformats.org/officeDocument/2006/relationships">
+      <c:layout/>
+      <c:lineChart>
+        <c:grouping val="standard"/>
+        <c:varyColors val="0"/>
+        <c:ser>
+          <c:idx val="0"/>
+          <c:order val="0"/>
+          <c:tx>
+            <c:strRef>
+              <c:f>sheet1!$B$1</c:f>
+              <c:strCache>
+                <c:ptCount val="1"/>
+                <c:pt idx="0">
+                  <c:v>France</c:v>
+                </c:pt>
+              </c:strCache>
+            </c:strRef>
+          </c:tx>
+          <c:spPr>
+            <a:ln algn="ctr" w="28575">
+              <a:solidFill>
+                <a:srgbClr val="FAB900">
+                  <a:alpha val="100000"/>
+                </a:srgbClr>
+              </a:solidFill>
+              <a:prstDash val="solid"/>
+            </a:ln>
+          </c:spPr>
+          <c:marker>
+            <c:symbol val="none"/>
+          </c:marker>
+          <c:dLbls>
+            <c:dLblPos val="ctr"/>
+            <c:numFmt formatCode="General" sourceLinked="0"/>
+            <c:separator val=", "/>
+            <c:showBubbleSize val="0"/>
+            <c:showCatName val="0"/>
+            <c:showLegendKey val="0"/>
+            <c:showPercent val="0"/>
+            <c:showSerName val="0"/>
+            <c:showVal val="0"/>
+            <c:txPr>
+              <a:bodyPr/>
+              <a:lstStyle/>
+              <a:p>
+                <a:pPr>
+                  <a:defRPr cap="none" i="0" b="0" u="none">
+                    <a:solidFill>
+                      <a:srgbClr val="000000">
+                        <a:alpha val="100000"/>
+                      </a:srgbClr>
+                    </a:solidFill>
+                    <a:latin typeface="Arial"/>
+                    <a:cs typeface="Arial"/>
+                    <a:ea typeface="Arial"/>
+                    <a:sym typeface="Arial"/>
+                  </a:defRPr>
+                </a:pPr>
+              </a:p>
+            </c:txPr>
+          </c:dLbls>
+          <c:cat>
+            <c:numRef>
+              <c:f>sheet1!$A$2:$A$37</c:f>
+              <c:numCache>
+                <c:formatCode>yyyy\-mm\-dd</c:formatCode>
+                <c:ptCount val="36"/>
+                <c:pt idx="0">
+                  <c:v>43738</c:v>
+                </c:pt>
+                <c:pt idx="1">
+                  <c:v>43769</c:v>
+                </c:pt>
+                <c:pt idx="2">
+                  <c:v>43799</c:v>
+                </c:pt>
+                <c:pt idx="3">
+                  <c:v>43830</c:v>
+                </c:pt>
+                <c:pt idx="4">
+                  <c:v>43861</c:v>
+                </c:pt>
+                <c:pt idx="5">
+                  <c:v>43890</c:v>
+                </c:pt>
+                <c:pt idx="6">
+                  <c:v>43921</c:v>
+                </c:pt>
+                <c:pt idx="7">
+                  <c:v>43951</c:v>
+                </c:pt>
+                <c:pt idx="8">
+                  <c:v>43982</c:v>
+                </c:pt>
+                <c:pt idx="9">
+                  <c:v>44012</c:v>
+                </c:pt>
+                <c:pt idx="10">
+                  <c:v>44043</c:v>
+                </c:pt>
+                <c:pt idx="11">
+                  <c:v>44074</c:v>
+                </c:pt>
+                <c:pt idx="12">
+                  <c:v>44104</c:v>
+                </c:pt>
+                <c:pt idx="13">
+                  <c:v>44135</c:v>
+                </c:pt>
+                <c:pt idx="14">
+                  <c:v>44165</c:v>
+                </c:pt>
+                <c:pt idx="15">
+                  <c:v>44196</c:v>
+                </c:pt>
+                <c:pt idx="16">
+                  <c:v>44227</c:v>
+                </c:pt>
+                <c:pt idx="17">
+                  <c:v>44255</c:v>
+                </c:pt>
+                <c:pt idx="18">
+                  <c:v>44286</c:v>
+                </c:pt>
+                <c:pt idx="19">
+                  <c:v>44316</c:v>
+                </c:pt>
+                <c:pt idx="20">
+                  <c:v>44347</c:v>
+                </c:pt>
+                <c:pt idx="21">
+                  <c:v>44377</c:v>
+                </c:pt>
+                <c:pt idx="22">
+                  <c:v>44408</c:v>
+                </c:pt>
+                <c:pt idx="23">
+                  <c:v>44439</c:v>
+                </c:pt>
+                <c:pt idx="24">
+                  <c:v>44469</c:v>
+                </c:pt>
+                <c:pt idx="25">
+                  <c:v>44500</c:v>
+                </c:pt>
+                <c:pt idx="26">
+                  <c:v>44530</c:v>
+                </c:pt>
+                <c:pt idx="27">
+                  <c:v>44561</c:v>
+                </c:pt>
+                <c:pt idx="28">
+                  <c:v>44592</c:v>
+                </c:pt>
+                <c:pt idx="29">
+                  <c:v>44620</c:v>
+                </c:pt>
+                <c:pt idx="30">
+                  <c:v>44651</c:v>
+                </c:pt>
+                <c:pt idx="31">
+                  <c:v>44681</c:v>
+                </c:pt>
+                <c:pt idx="32">
+                  <c:v>44712</c:v>
+                </c:pt>
+                <c:pt idx="33">
+                  <c:v>44742</c:v>
+                </c:pt>
+                <c:pt idx="34">
+                  <c:v>44773</c:v>
+                </c:pt>
+                <c:pt idx="35">
+                  <c:v>44804</c:v>
+                </c:pt>
+              </c:numCache>
+            </c:numRef>
+          </c:cat>
+          <c:val>
+            <c:numRef>
+              <c:f>sheet1!$B$2:$B$37</c:f>
+              <c:numCache>
+                <c:ptCount val="36"/>
+                <c:pt idx="0">
+                  <c:v>1.1</c:v>
+                </c:pt>
+                <c:pt idx="1">
+                  <c:v>0.9</c:v>
+                </c:pt>
+                <c:pt idx="2">
+                  <c:v>1.2</c:v>
+                </c:pt>
+                <c:pt idx="3">
+                  <c:v>1.6</c:v>
+                </c:pt>
+                <c:pt idx="4">
+                  <c:v>1.7</c:v>
+                </c:pt>
+                <c:pt idx="5">
+                  <c:v>1.6</c:v>
+                </c:pt>
+                <c:pt idx="6">
+                  <c:v>0.8</c:v>
+                </c:pt>
+                <c:pt idx="7">
+                  <c:v>0.4</c:v>
+                </c:pt>
+                <c:pt idx="8">
+                  <c:v>0.4</c:v>
+                </c:pt>
+                <c:pt idx="9">
+                  <c:v>0.2</c:v>
+                </c:pt>
+                <c:pt idx="10">
+                  <c:v>0.9</c:v>
+                </c:pt>
+                <c:pt idx="11">
+                  <c:v>0.2</c:v>
+                </c:pt>
+                <c:pt idx="12">
+                  <c:v>0.0</c:v>
+                </c:pt>
+                <c:pt idx="13">
+                  <c:v>0.1</c:v>
+                </c:pt>
+                <c:pt idx="14">
+                  <c:v>0.2</c:v>
+                </c:pt>
+                <c:pt idx="15">
+                  <c:v>0.0</c:v>
+                </c:pt>
+                <c:pt idx="16">
+                  <c:v>0.8</c:v>
+                </c:pt>
+                <c:pt idx="17">
+                  <c:v>0.8</c:v>
+                </c:pt>
+                <c:pt idx="18">
+                  <c:v>1.4</c:v>
+                </c:pt>
+                <c:pt idx="19">
+                  <c:v>1.6</c:v>
+                </c:pt>
+                <c:pt idx="20">
+                  <c:v>1.8</c:v>
+                </c:pt>
+                <c:pt idx="21">
+                  <c:v>1.9</c:v>
+                </c:pt>
+                <c:pt idx="22">
+                  <c:v>1.5</c:v>
+                </c:pt>
+                <c:pt idx="23">
+                  <c:v>2.4</c:v>
+                </c:pt>
+                <c:pt idx="24">
+                  <c:v>2.7</c:v>
+                </c:pt>
+                <c:pt idx="25">
+                  <c:v>3.2</c:v>
+                </c:pt>
+                <c:pt idx="26">
+                  <c:v>3.4</c:v>
+                </c:pt>
+                <c:pt idx="27">
+                  <c:v>3.4</c:v>
+                </c:pt>
+                <c:pt idx="28">
+                  <c:v>3.3</c:v>
+                </c:pt>
+                <c:pt idx="29">
+                  <c:v>4.2</c:v>
+                </c:pt>
+                <c:pt idx="30">
+                  <c:v>5.1</c:v>
+                </c:pt>
+                <c:pt idx="31">
+                  <c:v>5.4</c:v>
+                </c:pt>
+                <c:pt idx="32">
+                  <c:v>5.8</c:v>
+                </c:pt>
+                <c:pt idx="33">
+                  <c:v>6.5</c:v>
+                </c:pt>
+                <c:pt idx="34">
+                  <c:v>6.8</c:v>
+                </c:pt>
+                <c:pt idx="35">
+                  <c:v>6.5</c:v>
+                </c:pt>
+              </c:numCache>
+            </c:numRef>
+          </c:val>
+          <c:smooth val="0"/>
+        </c:ser>
+        <c:ser>
+          <c:idx val="1"/>
+          <c:order val="1"/>
+          <c:tx>
+            <c:strRef>
+              <c:f>sheet1!$C$1</c:f>
+              <c:strCache>
+                <c:ptCount val="1"/>
+                <c:pt idx="0">
+                  <c:v>Germany</c:v>
+                </c:pt>
+              </c:strCache>
+            </c:strRef>
+          </c:tx>
+          <c:spPr>
+            <a:ln algn="ctr" w="28575">
+              <a:solidFill>
+                <a:srgbClr val="40BAD2">
+                  <a:alpha val="100000"/>
+                </a:srgbClr>
+              </a:solidFill>
+              <a:prstDash val="solid"/>
+            </a:ln>
+          </c:spPr>
+          <c:marker>
+            <c:symbol val="none"/>
+          </c:marker>
+          <c:dLbls>
+            <c:dLblPos val="ctr"/>
+            <c:numFmt formatCode="General" sourceLinked="0"/>
+            <c:separator val=", "/>
+            <c:showBubbleSize val="0"/>
+            <c:showCatName val="0"/>
+            <c:showLegendKey val="0"/>
+            <c:showPercent val="0"/>
+            <c:showSerName val="0"/>
+            <c:showVal val="0"/>
+            <c:txPr>
+              <a:bodyPr/>
+              <a:lstStyle/>
+              <a:p>
+                <a:pPr>
+                  <a:defRPr cap="none" i="0" b="0" u="none">
+                    <a:solidFill>
+                      <a:srgbClr val="000000">
+                        <a:alpha val="100000"/>
+                      </a:srgbClr>
+                    </a:solidFill>
+                    <a:latin typeface="Arial"/>
+                    <a:cs typeface="Arial"/>
+                    <a:ea typeface="Arial"/>
+                    <a:sym typeface="Arial"/>
+                  </a:defRPr>
+                </a:pPr>
+              </a:p>
+            </c:txPr>
+          </c:dLbls>
+          <c:cat>
+            <c:numRef>
+              <c:f>sheet1!$A$2:$A$37</c:f>
+              <c:numCache>
+                <c:formatCode>yyyy\-mm\-dd</c:formatCode>
+                <c:ptCount val="36"/>
+                <c:pt idx="0">
+                  <c:v>43738</c:v>
+                </c:pt>
+                <c:pt idx="1">
+                  <c:v>43769</c:v>
+                </c:pt>
+                <c:pt idx="2">
+                  <c:v>43799</c:v>
+                </c:pt>
+                <c:pt idx="3">
+                  <c:v>43830</c:v>
+                </c:pt>
+                <c:pt idx="4">
+                  <c:v>43861</c:v>
+                </c:pt>
+                <c:pt idx="5">
+                  <c:v>43890</c:v>
+                </c:pt>
+                <c:pt idx="6">
+                  <c:v>43921</c:v>
+                </c:pt>
+                <c:pt idx="7">
+                  <c:v>43951</c:v>
+                </c:pt>
+                <c:pt idx="8">
+                  <c:v>43982</c:v>
+                </c:pt>
+                <c:pt idx="9">
+                  <c:v>44012</c:v>
+                </c:pt>
+                <c:pt idx="10">
+                  <c:v>44043</c:v>
+                </c:pt>
+                <c:pt idx="11">
+                  <c:v>44074</c:v>
+                </c:pt>
+                <c:pt idx="12">
+                  <c:v>44104</c:v>
+                </c:pt>
+                <c:pt idx="13">
+                  <c:v>44135</c:v>
+                </c:pt>
+                <c:pt idx="14">
+                  <c:v>44165</c:v>
+                </c:pt>
+                <c:pt idx="15">
+                  <c:v>44196</c:v>
+                </c:pt>
+                <c:pt idx="16">
+                  <c:v>44227</c:v>
+                </c:pt>
+                <c:pt idx="17">
+                  <c:v>44255</c:v>
+                </c:pt>
+                <c:pt idx="18">
+                  <c:v>44286</c:v>
+                </c:pt>
+                <c:pt idx="19">
+                  <c:v>44316</c:v>
+                </c:pt>
+                <c:pt idx="20">
+                  <c:v>44347</c:v>
+                </c:pt>
+                <c:pt idx="21">
+                  <c:v>44377</c:v>
+                </c:pt>
+                <c:pt idx="22">
+                  <c:v>44408</c:v>
+                </c:pt>
+                <c:pt idx="23">
+                  <c:v>44439</c:v>
+                </c:pt>
+                <c:pt idx="24">
+                  <c:v>44469</c:v>
+                </c:pt>
+                <c:pt idx="25">
+                  <c:v>44500</c:v>
+                </c:pt>
+                <c:pt idx="26">
+                  <c:v>44530</c:v>
+                </c:pt>
+                <c:pt idx="27">
+                  <c:v>44561</c:v>
+                </c:pt>
+                <c:pt idx="28">
+                  <c:v>44592</c:v>
+                </c:pt>
+                <c:pt idx="29">
+                  <c:v>44620</c:v>
+                </c:pt>
+                <c:pt idx="30">
+                  <c:v>44651</c:v>
+                </c:pt>
+                <c:pt idx="31">
+                  <c:v>44681</c:v>
+                </c:pt>
+                <c:pt idx="32">
+                  <c:v>44712</c:v>
+                </c:pt>
+                <c:pt idx="33">
+                  <c:v>44742</c:v>
+                </c:pt>
+                <c:pt idx="34">
+                  <c:v>44773</c:v>
+                </c:pt>
+                <c:pt idx="35">
+                  <c:v>44804</c:v>
+                </c:pt>
+              </c:numCache>
+            </c:numRef>
+          </c:cat>
+          <c:val>
+            <c:numRef>
+              <c:f>sheet1!$C$2:$C$37</c:f>
+              <c:numCache>
+                <c:ptCount val="36"/>
+                <c:pt idx="0">
+                  <c:v>0.9</c:v>
+                </c:pt>
+                <c:pt idx="1">
+                  <c:v>0.9</c:v>
+                </c:pt>
+                <c:pt idx="2">
+                  <c:v>1.2</c:v>
+                </c:pt>
+                <c:pt idx="3">
+                  <c:v>1.5</c:v>
+                </c:pt>
+                <c:pt idx="4">
+                  <c:v>1.6</c:v>
+                </c:pt>
+                <c:pt idx="5">
+                  <c:v>1.7</c:v>
+                </c:pt>
+                <c:pt idx="6">
+                  <c:v>1.3</c:v>
+                </c:pt>
+                <c:pt idx="7">
+                  <c:v>0.8</c:v>
+                </c:pt>
+                <c:pt idx="8">
+                  <c:v>0.5</c:v>
+                </c:pt>
+                <c:pt idx="9">
+                  <c:v>0.8</c:v>
+                </c:pt>
+                <c:pt idx="10">
+                  <c:v>0.0</c:v>
+                </c:pt>
+                <c:pt idx="11">
+                  <c:v>-0.1</c:v>
+                </c:pt>
+                <c:pt idx="12">
+                  <c:v>-0.4</c:v>
+                </c:pt>
+                <c:pt idx="13">
+                  <c:v>-0.5</c:v>
+                </c:pt>
+                <c:pt idx="14">
+                  <c:v>-0.7</c:v>
+                </c:pt>
+                <c:pt idx="15">
+                  <c:v>-0.7</c:v>
+                </c:pt>
+                <c:pt idx="16">
+                  <c:v>1.6</c:v>
+                </c:pt>
+                <c:pt idx="17">
+                  <c:v>1.6</c:v>
+                </c:pt>
+                <c:pt idx="18">
+                  <c:v>2.0</c:v>
+                </c:pt>
+                <c:pt idx="19">
+                  <c:v>2.1</c:v>
+                </c:pt>
+                <c:pt idx="20">
+                  <c:v>2.4</c:v>
+                </c:pt>
+                <c:pt idx="21">
+                  <c:v>2.1</c:v>
+                </c:pt>
+                <c:pt idx="22">
+                  <c:v>3.1</c:v>
+                </c:pt>
+                <c:pt idx="23">
+                  <c:v>3.4</c:v>
+                </c:pt>
+                <c:pt idx="24">
+                  <c:v>4.1</c:v>
+                </c:pt>
+                <c:pt idx="25">
+                  <c:v>4.6</c:v>
+                </c:pt>
+                <c:pt idx="26">
+                  <c:v>6.0</c:v>
+                </c:pt>
+                <c:pt idx="27">
+                  <c:v>5.7</c:v>
+                </c:pt>
+                <c:pt idx="28">
+                  <c:v>5.1</c:v>
+                </c:pt>
+                <c:pt idx="29">
+                  <c:v>5.5</c:v>
+                </c:pt>
+                <c:pt idx="30">
+                  <c:v>7.6</c:v>
+                </c:pt>
+                <c:pt idx="31">
+                  <c:v>7.8</c:v>
+                </c:pt>
+                <c:pt idx="32">
+                  <c:v>8.7</c:v>
+                </c:pt>
+                <c:pt idx="33">
+                  <c:v>8.2</c:v>
+                </c:pt>
+                <c:pt idx="34">
+                  <c:v>8.5</c:v>
+                </c:pt>
+                <c:pt idx="35">
+                  <c:v>8.8</c:v>
+                </c:pt>
+              </c:numCache>
+            </c:numRef>
+          </c:val>
+          <c:smooth val="0"/>
+        </c:ser>
+        <c:ser>
+          <c:idx val="2"/>
+          <c:order val="2"/>
+          <c:tx>
+            <c:strRef>
+              <c:f>sheet1!$D$1</c:f>
+              <c:strCache>
+                <c:ptCount val="1"/>
+                <c:pt idx="0">
+                  <c:v>Italy</c:v>
+                </c:pt>
+              </c:strCache>
+            </c:strRef>
+          </c:tx>
+          <c:spPr>
+            <a:ln algn="ctr" w="28575">
+              <a:solidFill>
+                <a:srgbClr val="90BB23">
+                  <a:alpha val="100000"/>
+                </a:srgbClr>
+              </a:solidFill>
+              <a:prstDash val="solid"/>
+            </a:ln>
+          </c:spPr>
+          <c:marker>
+            <c:symbol val="none"/>
+          </c:marker>
+          <c:dLbls>
+            <c:dLblPos val="ctr"/>
+            <c:numFmt formatCode="General" sourceLinked="0"/>
+            <c:separator val=", "/>
+            <c:showBubbleSize val="0"/>
+            <c:showCatName val="0"/>
+            <c:showLegendKey val="0"/>
+            <c:showPercent val="0"/>
+            <c:showSerName val="0"/>
+            <c:showVal val="0"/>
+            <c:txPr>
+              <a:bodyPr/>
+              <a:lstStyle/>
+              <a:p>
+                <a:pPr>
+                  <a:defRPr cap="none" i="0" b="0" u="none">
+                    <a:solidFill>
+                      <a:srgbClr val="000000">
+                        <a:alpha val="100000"/>
+                      </a:srgbClr>
+                    </a:solidFill>
+                    <a:latin typeface="Arial"/>
+                    <a:cs typeface="Arial"/>
+                    <a:ea typeface="Arial"/>
+                    <a:sym typeface="Arial"/>
+                  </a:defRPr>
+                </a:pPr>
+              </a:p>
+            </c:txPr>
+          </c:dLbls>
+          <c:cat>
+            <c:numRef>
+              <c:f>sheet1!$A$2:$A$37</c:f>
+              <c:numCache>
+                <c:formatCode>yyyy\-mm\-dd</c:formatCode>
+                <c:ptCount val="36"/>
+                <c:pt idx="0">
+                  <c:v>43738</c:v>
+                </c:pt>
+                <c:pt idx="1">
+                  <c:v>43769</c:v>
+                </c:pt>
+                <c:pt idx="2">
+                  <c:v>43799</c:v>
+                </c:pt>
+                <c:pt idx="3">
+                  <c:v>43830</c:v>
+                </c:pt>
+                <c:pt idx="4">
+                  <c:v>43861</c:v>
+                </c:pt>
+                <c:pt idx="5">
+                  <c:v>43890</c:v>
+                </c:pt>
+                <c:pt idx="6">
+                  <c:v>43921</c:v>
+                </c:pt>
+                <c:pt idx="7">
+                  <c:v>43951</c:v>
+                </c:pt>
+                <c:pt idx="8">
+                  <c:v>43982</c:v>
+                </c:pt>
+                <c:pt idx="9">
+                  <c:v>44012</c:v>
+                </c:pt>
+                <c:pt idx="10">
+                  <c:v>44043</c:v>
+                </c:pt>
+                <c:pt idx="11">
+                  <c:v>44074</c:v>
+                </c:pt>
+                <c:pt idx="12">
+                  <c:v>44104</c:v>
+                </c:pt>
+                <c:pt idx="13">
+                  <c:v>44135</c:v>
+                </c:pt>
+                <c:pt idx="14">
+                  <c:v>44165</c:v>
+                </c:pt>
+                <c:pt idx="15">
+                  <c:v>44196</c:v>
+                </c:pt>
+                <c:pt idx="16">
+                  <c:v>44227</c:v>
+                </c:pt>
+                <c:pt idx="17">
+                  <c:v>44255</c:v>
+                </c:pt>
+                <c:pt idx="18">
+                  <c:v>44286</c:v>
+                </c:pt>
+                <c:pt idx="19">
+                  <c:v>44316</c:v>
+                </c:pt>
+                <c:pt idx="20">
+                  <c:v>44347</c:v>
+                </c:pt>
+                <c:pt idx="21">
+                  <c:v>44377</c:v>
+                </c:pt>
+                <c:pt idx="22">
+                  <c:v>44408</c:v>
+                </c:pt>
+                <c:pt idx="23">
+                  <c:v>44439</c:v>
+                </c:pt>
+                <c:pt idx="24">
+                  <c:v>44469</c:v>
+                </c:pt>
+                <c:pt idx="25">
+                  <c:v>44500</c:v>
+                </c:pt>
+                <c:pt idx="26">
+                  <c:v>44530</c:v>
+                </c:pt>
+                <c:pt idx="27">
+                  <c:v>44561</c:v>
+                </c:pt>
+                <c:pt idx="28">
+                  <c:v>44592</c:v>
+                </c:pt>
+                <c:pt idx="29">
+                  <c:v>44620</c:v>
+                </c:pt>
+                <c:pt idx="30">
+                  <c:v>44651</c:v>
+                </c:pt>
+                <c:pt idx="31">
+                  <c:v>44681</c:v>
+                </c:pt>
+                <c:pt idx="32">
+                  <c:v>44712</c:v>
+                </c:pt>
+                <c:pt idx="33">
+                  <c:v>44742</c:v>
+                </c:pt>
+                <c:pt idx="34">
+                  <c:v>44773</c:v>
+                </c:pt>
+                <c:pt idx="35">
+                  <c:v>44804</c:v>
+                </c:pt>
+              </c:numCache>
+            </c:numRef>
+          </c:cat>
+          <c:val>
+            <c:numRef>
+              <c:f>sheet1!$D$2:$D$37</c:f>
+              <c:numCache>
+                <c:ptCount val="36"/>
+                <c:pt idx="0">
+                  <c:v>0.2</c:v>
+                </c:pt>
+                <c:pt idx="1">
+                  <c:v>0.2</c:v>
+                </c:pt>
+                <c:pt idx="2">
+                  <c:v>0.2</c:v>
+                </c:pt>
+                <c:pt idx="3">
+                  <c:v>0.5</c:v>
+                </c:pt>
+                <c:pt idx="4">
+                  <c:v>0.4</c:v>
+                </c:pt>
+                <c:pt idx="5">
+                  <c:v>0.2</c:v>
+                </c:pt>
+                <c:pt idx="6">
+                  <c:v>0.1</c:v>
+                </c:pt>
+                <c:pt idx="7">
+                  <c:v>0.1</c:v>
+                </c:pt>
+                <c:pt idx="8">
+                  <c:v>-0.3</c:v>
+                </c:pt>
+                <c:pt idx="9">
+                  <c:v>-0.4</c:v>
+                </c:pt>
+                <c:pt idx="10">
+                  <c:v>0.8</c:v>
+                </c:pt>
+                <c:pt idx="11">
+                  <c:v>-0.5</c:v>
+                </c:pt>
+                <c:pt idx="12">
+                  <c:v>-1.0</c:v>
+                </c:pt>
+                <c:pt idx="13">
+                  <c:v>-0.6</c:v>
+                </c:pt>
+                <c:pt idx="14">
+                  <c:v>-0.3</c:v>
+                </c:pt>
+                <c:pt idx="15">
+                  <c:v>-0.3</c:v>
+                </c:pt>
+                <c:pt idx="16">
+                  <c:v>0.7</c:v>
+                </c:pt>
+                <c:pt idx="17">
+                  <c:v>1.0</c:v>
+                </c:pt>
+                <c:pt idx="18">
+                  <c:v>0.6</c:v>
+                </c:pt>
+                <c:pt idx="19">
+                  <c:v>1.0</c:v>
+                </c:pt>
+                <c:pt idx="20">
+                  <c:v>1.2</c:v>
+                </c:pt>
+                <c:pt idx="21">
+                  <c:v>1.3</c:v>
+                </c:pt>
+                <c:pt idx="22">
+                  <c:v>1.0</c:v>
+                </c:pt>
+                <c:pt idx="23">
+                  <c:v>2.5</c:v>
+                </c:pt>
+                <c:pt idx="24">
+                  <c:v>2.9</c:v>
+                </c:pt>
+                <c:pt idx="25">
+                  <c:v>3.2</c:v>
+                </c:pt>
+                <c:pt idx="26">
+                  <c:v>3.9</c:v>
+                </c:pt>
+                <c:pt idx="27">
+                  <c:v>4.2</c:v>
+                </c:pt>
+                <c:pt idx="28">
+                  <c:v>5.1</c:v>
+                </c:pt>
+                <c:pt idx="29">
+                  <c:v>6.2</c:v>
+                </c:pt>
+                <c:pt idx="30">
+                  <c:v>6.8</c:v>
+                </c:pt>
+                <c:pt idx="31">
+                  <c:v>6.3</c:v>
+                </c:pt>
+                <c:pt idx="32">
+                  <c:v>7.3</c:v>
+                </c:pt>
+                <c:pt idx="33">
+                  <c:v>8.5</c:v>
+                </c:pt>
+                <c:pt idx="34">
+                  <c:v>8.4</c:v>
+                </c:pt>
+                <c:pt idx="35">
+                  <c:v>9.0</c:v>
+                </c:pt>
+              </c:numCache>
+            </c:numRef>
+          </c:val>
+          <c:smooth val="0"/>
+        </c:ser>
+        <c:ser>
+          <c:idx val="3"/>
+          <c:order val="3"/>
+          <c:tx>
+            <c:strRef>
+              <c:f>sheet1!$E$1</c:f>
+              <c:strCache>
+                <c:ptCount val="1"/>
+                <c:pt idx="0">
+                  <c:v>Netherlands</c:v>
+                </c:pt>
+              </c:strCache>
+            </c:strRef>
+          </c:tx>
+          <c:spPr>
+            <a:ln algn="ctr" w="28575">
+              <a:solidFill>
+                <a:srgbClr val="1AB39F">
+                  <a:alpha val="100000"/>
+                </a:srgbClr>
+              </a:solidFill>
+              <a:prstDash val="solid"/>
+            </a:ln>
+          </c:spPr>
+          <c:marker>
+            <c:symbol val="none"/>
+          </c:marker>
+          <c:dLbls>
+            <c:dLblPos val="ctr"/>
+            <c:numFmt formatCode="General" sourceLinked="0"/>
+            <c:separator val=", "/>
+            <c:showBubbleSize val="0"/>
+            <c:showCatName val="0"/>
+            <c:showLegendKey val="0"/>
+            <c:showPercent val="0"/>
+            <c:showSerName val="0"/>
+            <c:showVal val="0"/>
+            <c:txPr>
+              <a:bodyPr/>
+              <a:lstStyle/>
+              <a:p>
+                <a:pPr>
+                  <a:defRPr cap="none" i="0" b="0" u="none">
+                    <a:solidFill>
+                      <a:srgbClr val="000000">
+                        <a:alpha val="100000"/>
+                      </a:srgbClr>
+                    </a:solidFill>
+                    <a:latin typeface="Arial"/>
+                    <a:cs typeface="Arial"/>
+                    <a:ea typeface="Arial"/>
+                    <a:sym typeface="Arial"/>
+                  </a:defRPr>
+                </a:pPr>
+              </a:p>
+            </c:txPr>
+          </c:dLbls>
+          <c:cat>
+            <c:numRef>
+              <c:f>sheet1!$A$2:$A$37</c:f>
+              <c:numCache>
+                <c:formatCode>yyyy\-mm\-dd</c:formatCode>
+                <c:ptCount val="36"/>
+                <c:pt idx="0">
+                  <c:v>43738</c:v>
+                </c:pt>
+                <c:pt idx="1">
+                  <c:v>43769</c:v>
+                </c:pt>
+                <c:pt idx="2">
+                  <c:v>43799</c:v>
+                </c:pt>
+                <c:pt idx="3">
+                  <c:v>43830</c:v>
+                </c:pt>
+                <c:pt idx="4">
+                  <c:v>43861</c:v>
+                </c:pt>
+                <c:pt idx="5">
+                  <c:v>43890</c:v>
+                </c:pt>
+                <c:pt idx="6">
+                  <c:v>43921</c:v>
+                </c:pt>
+                <c:pt idx="7">
+                  <c:v>43951</c:v>
+                </c:pt>
+                <c:pt idx="8">
+                  <c:v>43982</c:v>
+                </c:pt>
+                <c:pt idx="9">
+                  <c:v>44012</c:v>
+                </c:pt>
+                <c:pt idx="10">
+                  <c:v>44043</c:v>
+                </c:pt>
+                <c:pt idx="11">
+                  <c:v>44074</c:v>
+                </c:pt>
+                <c:pt idx="12">
+                  <c:v>44104</c:v>
+                </c:pt>
+                <c:pt idx="13">
+                  <c:v>44135</c:v>
+                </c:pt>
+                <c:pt idx="14">
+                  <c:v>44165</c:v>
+                </c:pt>
+                <c:pt idx="15">
+                  <c:v>44196</c:v>
+                </c:pt>
+                <c:pt idx="16">
+                  <c:v>44227</c:v>
+                </c:pt>
+                <c:pt idx="17">
+                  <c:v>44255</c:v>
+                </c:pt>
+                <c:pt idx="18">
+                  <c:v>44286</c:v>
+                </c:pt>
+                <c:pt idx="19">
+                  <c:v>44316</c:v>
+                </c:pt>
+                <c:pt idx="20">
+                  <c:v>44347</c:v>
+                </c:pt>
+                <c:pt idx="21">
+                  <c:v>44377</c:v>
+                </c:pt>
+                <c:pt idx="22">
+                  <c:v>44408</c:v>
+                </c:pt>
+                <c:pt idx="23">
+                  <c:v>44439</c:v>
+                </c:pt>
+                <c:pt idx="24">
+                  <c:v>44469</c:v>
+                </c:pt>
+                <c:pt idx="25">
+                  <c:v>44500</c:v>
+                </c:pt>
+                <c:pt idx="26">
+                  <c:v>44530</c:v>
+                </c:pt>
+                <c:pt idx="27">
+                  <c:v>44561</c:v>
+                </c:pt>
+                <c:pt idx="28">
+                  <c:v>44592</c:v>
+                </c:pt>
+                <c:pt idx="29">
+                  <c:v>44620</c:v>
+                </c:pt>
+                <c:pt idx="30">
+                  <c:v>44651</c:v>
+                </c:pt>
+                <c:pt idx="31">
+                  <c:v>44681</c:v>
+                </c:pt>
+                <c:pt idx="32">
+                  <c:v>44712</c:v>
+                </c:pt>
+                <c:pt idx="33">
+                  <c:v>44742</c:v>
+                </c:pt>
+                <c:pt idx="34">
+                  <c:v>44773</c:v>
+                </c:pt>
+                <c:pt idx="35">
+                  <c:v>44804</c:v>
+                </c:pt>
+              </c:numCache>
+            </c:numRef>
+          </c:cat>
+          <c:val>
+            <c:numRef>
+              <c:f>sheet1!$E$2:$E$37</c:f>
+              <c:numCache>
+                <c:ptCount val="36"/>
+                <c:pt idx="0">
+                  <c:v>2.7</c:v>
+                </c:pt>
+                <c:pt idx="1">
+                  <c:v>2.8</c:v>
+                </c:pt>
+                <c:pt idx="2">
+                  <c:v>2.6</c:v>
+                </c:pt>
+                <c:pt idx="3">
+                  <c:v>2.8</c:v>
+                </c:pt>
+                <c:pt idx="4">
+                  <c:v>1.7</c:v>
+                </c:pt>
+                <c:pt idx="5">
+                  <c:v>1.3</c:v>
+                </c:pt>
+                <c:pt idx="6">
+                  <c:v>1.1</c:v>
+                </c:pt>
+                <c:pt idx="7">
+                  <c:v>1.0</c:v>
+                </c:pt>
+                <c:pt idx="8">
+                  <c:v>1.1</c:v>
+                </c:pt>
+                <c:pt idx="9">
+                  <c:v>1.7</c:v>
+                </c:pt>
+                <c:pt idx="10">
+                  <c:v>1.6</c:v>
+                </c:pt>
+                <c:pt idx="11">
+                  <c:v>0.3</c:v>
+                </c:pt>
+                <c:pt idx="12">
+                  <c:v>1.0</c:v>
+                </c:pt>
+                <c:pt idx="13">
+                  <c:v>1.2</c:v>
+                </c:pt>
+                <c:pt idx="14">
+                  <c:v>0.7</c:v>
+                </c:pt>
+                <c:pt idx="15">
+                  <c:v>0.9</c:v>
+                </c:pt>
+                <c:pt idx="16">
+                  <c:v>1.6</c:v>
+                </c:pt>
+                <c:pt idx="17">
+                  <c:v>1.9</c:v>
+                </c:pt>
+                <c:pt idx="18">
+                  <c:v>1.9</c:v>
+                </c:pt>
+                <c:pt idx="19">
+                  <c:v>1.7</c:v>
+                </c:pt>
+                <c:pt idx="20">
+                  <c:v>2.0</c:v>
+                </c:pt>
+                <c:pt idx="21">
+                  <c:v>1.7</c:v>
+                </c:pt>
+                <c:pt idx="22">
+                  <c:v>1.4</c:v>
+                </c:pt>
+                <c:pt idx="23">
+                  <c:v>2.7</c:v>
+                </c:pt>
+                <c:pt idx="24">
+                  <c:v>3.0</c:v>
+                </c:pt>
+                <c:pt idx="25">
+                  <c:v>3.7</c:v>
+                </c:pt>
+                <c:pt idx="26">
+                  <c:v>5.9</c:v>
+                </c:pt>
+                <c:pt idx="27">
+                  <c:v>6.4</c:v>
+                </c:pt>
+                <c:pt idx="28">
+                  <c:v>7.6</c:v>
+                </c:pt>
+                <c:pt idx="29">
+                  <c:v>7.3</c:v>
+                </c:pt>
+                <c:pt idx="30">
+                  <c:v>11.7</c:v>
+                </c:pt>
+                <c:pt idx="31">
+                  <c:v>11.2</c:v>
+                </c:pt>
+                <c:pt idx="32">
+                  <c:v>10.2</c:v>
+                </c:pt>
+                <c:pt idx="33">
+                  <c:v>9.9</c:v>
+                </c:pt>
+                <c:pt idx="34">
+                  <c:v>11.6</c:v>
+                </c:pt>
+                <c:pt idx="35">
+                  <c:v>13.6</c:v>
+                </c:pt>
+              </c:numCache>
+            </c:numRef>
+          </c:val>
+          <c:smooth val="0"/>
+        </c:ser>
+        <c:ser>
+          <c:idx val="4"/>
+          <c:order val="4"/>
+          <c:tx>
+            <c:strRef>
+              <c:f>sheet1!$F$1</c:f>
+              <c:strCache>
+                <c:ptCount val="1"/>
+                <c:pt idx="0">
+                  <c:v>Spain</c:v>
+                </c:pt>
+              </c:strCache>
+            </c:strRef>
+          </c:tx>
+          <c:spPr>
+            <a:ln algn="ctr" w="28575">
+              <a:solidFill>
+                <a:srgbClr val="EE7008">
+                  <a:alpha val="100000"/>
+                </a:srgbClr>
+              </a:solidFill>
+              <a:prstDash val="solid"/>
+            </a:ln>
+          </c:spPr>
+          <c:marker>
+            <c:symbol val="none"/>
+          </c:marker>
+          <c:dLbls>
+            <c:dLblPos val="ctr"/>
+            <c:numFmt formatCode="General" sourceLinked="0"/>
+            <c:separator val=", "/>
+            <c:showBubbleSize val="0"/>
+            <c:showCatName val="0"/>
+            <c:showLegendKey val="0"/>
+            <c:showPercent val="0"/>
+            <c:showSerName val="0"/>
+            <c:showVal val="0"/>
+            <c:txPr>
+              <a:bodyPr/>
+              <a:lstStyle/>
+              <a:p>
+                <a:pPr>
+                  <a:defRPr cap="none" i="0" b="0" u="none">
+                    <a:solidFill>
+                      <a:srgbClr val="000000">
+                        <a:alpha val="100000"/>
+                      </a:srgbClr>
+                    </a:solidFill>
+                    <a:latin typeface="Arial"/>
+                    <a:cs typeface="Arial"/>
+                    <a:ea typeface="Arial"/>
+                    <a:sym typeface="Arial"/>
+                  </a:defRPr>
+                </a:pPr>
+              </a:p>
+            </c:txPr>
+          </c:dLbls>
+          <c:cat>
+            <c:numRef>
+              <c:f>sheet1!$A$2:$A$37</c:f>
+              <c:numCache>
+                <c:formatCode>yyyy\-mm\-dd</c:formatCode>
+                <c:ptCount val="36"/>
+                <c:pt idx="0">
+                  <c:v>43738</c:v>
+                </c:pt>
+                <c:pt idx="1">
+                  <c:v>43769</c:v>
+                </c:pt>
+                <c:pt idx="2">
+                  <c:v>43799</c:v>
+                </c:pt>
+                <c:pt idx="3">
+                  <c:v>43830</c:v>
+                </c:pt>
+                <c:pt idx="4">
+                  <c:v>43861</c:v>
+                </c:pt>
+                <c:pt idx="5">
+                  <c:v>43890</c:v>
+                </c:pt>
+                <c:pt idx="6">
+                  <c:v>43921</c:v>
+                </c:pt>
+                <c:pt idx="7">
+                  <c:v>43951</c:v>
+                </c:pt>
+                <c:pt idx="8">
+                  <c:v>43982</c:v>
+                </c:pt>
+                <c:pt idx="9">
+                  <c:v>44012</c:v>
+                </c:pt>
+                <c:pt idx="10">
+                  <c:v>44043</c:v>
+                </c:pt>
+                <c:pt idx="11">
+                  <c:v>44074</c:v>
+                </c:pt>
+                <c:pt idx="12">
+                  <c:v>44104</c:v>
+                </c:pt>
+                <c:pt idx="13">
+                  <c:v>44135</c:v>
+                </c:pt>
+                <c:pt idx="14">
+                  <c:v>44165</c:v>
+                </c:pt>
+                <c:pt idx="15">
+                  <c:v>44196</c:v>
+                </c:pt>
+                <c:pt idx="16">
+                  <c:v>44227</c:v>
+                </c:pt>
+                <c:pt idx="17">
+                  <c:v>44255</c:v>
+                </c:pt>
+                <c:pt idx="18">
+                  <c:v>44286</c:v>
+                </c:pt>
+                <c:pt idx="19">
+                  <c:v>44316</c:v>
+                </c:pt>
+                <c:pt idx="20">
+                  <c:v>44347</c:v>
+                </c:pt>
+                <c:pt idx="21">
+                  <c:v>44377</c:v>
+                </c:pt>
+                <c:pt idx="22">
+                  <c:v>44408</c:v>
+                </c:pt>
+                <c:pt idx="23">
+                  <c:v>44439</c:v>
+                </c:pt>
+                <c:pt idx="24">
+                  <c:v>44469</c:v>
+                </c:pt>
+                <c:pt idx="25">
+                  <c:v>44500</c:v>
+                </c:pt>
+                <c:pt idx="26">
+                  <c:v>44530</c:v>
+                </c:pt>
+                <c:pt idx="27">
+                  <c:v>44561</c:v>
+                </c:pt>
+                <c:pt idx="28">
+                  <c:v>44592</c:v>
+                </c:pt>
+                <c:pt idx="29">
+                  <c:v>44620</c:v>
+                </c:pt>
+                <c:pt idx="30">
+                  <c:v>44651</c:v>
+                </c:pt>
+                <c:pt idx="31">
+                  <c:v>44681</c:v>
+                </c:pt>
+                <c:pt idx="32">
+                  <c:v>44712</c:v>
+                </c:pt>
+                <c:pt idx="33">
+                  <c:v>44742</c:v>
+                </c:pt>
+                <c:pt idx="34">
+                  <c:v>44773</c:v>
+                </c:pt>
+                <c:pt idx="35">
+                  <c:v>44804</c:v>
+                </c:pt>
+              </c:numCache>
+            </c:numRef>
+          </c:cat>
+          <c:val>
+            <c:numRef>
+              <c:f>sheet1!$F$2:$F$37</c:f>
+              <c:numCache>
+                <c:ptCount val="36"/>
+                <c:pt idx="0">
+                  <c:v>0.2</c:v>
+                </c:pt>
+                <c:pt idx="1">
+                  <c:v>0.2</c:v>
+                </c:pt>
+                <c:pt idx="2">
+                  <c:v>0.5</c:v>
+                </c:pt>
+                <c:pt idx="3">
+                  <c:v>0.8</c:v>
+                </c:pt>
+                <c:pt idx="4">
+                  <c:v>1.1</c:v>
+                </c:pt>
+                <c:pt idx="5">
+                  <c:v>0.9</c:v>
+                </c:pt>
+                <c:pt idx="6">
+                  <c:v>0.1</c:v>
+                </c:pt>
+                <c:pt idx="7">
+                  <c:v>-0.7</c:v>
+                </c:pt>
+                <c:pt idx="8">
+                  <c:v>-0.9</c:v>
+                </c:pt>
+                <c:pt idx="9">
+                  <c:v>-0.3</c:v>
+                </c:pt>
+                <c:pt idx="10">
+                  <c:v>-0.7</c:v>
+                </c:pt>
+                <c:pt idx="11">
+                  <c:v>-0.6</c:v>
+                </c:pt>
+                <c:pt idx="12">
+                  <c:v>-0.6</c:v>
+                </c:pt>
+                <c:pt idx="13">
+                  <c:v>-0.9</c:v>
+                </c:pt>
+                <c:pt idx="14">
+                  <c:v>-0.8</c:v>
+                </c:pt>
+                <c:pt idx="15">
+                  <c:v>-0.6</c:v>
+                </c:pt>
+                <c:pt idx="16">
+                  <c:v>0.4</c:v>
+                </c:pt>
+                <c:pt idx="17">
+                  <c:v>-0.1</c:v>
+                </c:pt>
+                <c:pt idx="18">
+                  <c:v>1.2</c:v>
+                </c:pt>
+                <c:pt idx="19">
+                  <c:v>2.0</c:v>
+                </c:pt>
+                <c:pt idx="20">
+                  <c:v>2.4</c:v>
+                </c:pt>
+                <c:pt idx="21">
+                  <c:v>2.5</c:v>
+                </c:pt>
+                <c:pt idx="22">
+                  <c:v>2.9</c:v>
+                </c:pt>
+                <c:pt idx="23">
+                  <c:v>3.3</c:v>
+                </c:pt>
+                <c:pt idx="24">
+                  <c:v>4.0</c:v>
+                </c:pt>
+                <c:pt idx="25">
+                  <c:v>5.4</c:v>
+                </c:pt>
+                <c:pt idx="26">
+                  <c:v>5.5</c:v>
+                </c:pt>
+                <c:pt idx="27">
+                  <c:v>6.6</c:v>
+                </c:pt>
+                <c:pt idx="28">
+                  <c:v>6.2</c:v>
+                </c:pt>
+                <c:pt idx="29">
+                  <c:v>7.6</c:v>
+                </c:pt>
+                <c:pt idx="30">
+                  <c:v>9.8</c:v>
+                </c:pt>
+                <c:pt idx="31">
+                  <c:v>8.3</c:v>
+                </c:pt>
+                <c:pt idx="32">
+                  <c:v>8.5</c:v>
+                </c:pt>
+                <c:pt idx="33">
+                  <c:v>10.0</c:v>
+                </c:pt>
+                <c:pt idx="34">
+                  <c:v>10.7</c:v>
+                </c:pt>
+                <c:pt idx="35">
+                  <c:v>10.3</c:v>
+                </c:pt>
+              </c:numCache>
+            </c:numRef>
+          </c:val>
+          <c:smooth val="0"/>
+        </c:ser>
+        <c:dLbls>
+          <c:dLblPos val="ctr"/>
+          <c:numFmt formatCode="General" sourceLinked="0"/>
+          <c:separator val=", "/>
+          <c:showBubbleSize val="0"/>
+          <c:showCatName val="0"/>
+          <c:showLegendKey val="0"/>
+          <c:showPercent val="0"/>
+          <c:showSerName val="0"/>
+          <c:showVal val="0"/>
+        </c:dLbls>
+        <c:axId val="64451712"/>
+        <c:axId val="64453248"/>
+      </c:lineChart>
+      <c:dateAx>
+        <c:axId val="64451712"/>
+        <c:scaling>
+          <c:orientation val="minMax"/>
+        </c:scaling>
+        <c:delete val="0"/>
+        <c:axPos val="l"/>
+        <c:majorTickMark val="none"/>
+        <c:minorTickMark val="none"/>
+        <c:tickLblPos val="low"/>
+        <c:txPr>
+          <a:bodyPr rot="0" vert="horz"/>
+          <a:lstStyle/>
+          <a:p>
+            <a:pPr>
+              <a:defRPr cap="none" sz="1000" i="0" b="0" u="none">
+                <a:solidFill>
+                  <a:srgbClr val="595959">
+                    <a:alpha val="100000"/>
+                  </a:srgbClr>
+                </a:solidFill>
+                <a:latin typeface="Corbel"/>
+                <a:cs typeface="Corbel"/>
+                <a:ea typeface="Corbel"/>
+                <a:sym typeface="Corbel"/>
+              </a:defRPr>
+            </a:pPr>
+          </a:p>
+        </c:txPr>
+        <c:spPr>
+          <a:ln algn="ctr" w="12700">
+            <a:solidFill>
+              <a:srgbClr val="D9D9D9">
+                <a:alpha val="100000"/>
+              </a:srgbClr>
+            </a:solidFill>
+            <a:prstDash val="solid"/>
+          </a:ln>
+        </c:spPr>
+        <c:numFmt formatCode="mm/yy" sourceLinked="0"/>
+        <c:crossAx val="64453248"/>
+        <c:crosses val="autoZero"/>
+      </c:dateAx>
+      <c:valAx>
+        <c:axId val="64453248"/>
+        <c:scaling>
+          <c:orientation val="minMax"/>
+        </c:scaling>
+        <c:delete val="0"/>
+        <c:axPos val="l"/>
+        <c:majorTickMark val="none"/>
+        <c:minorTickMark val="none"/>
+        <c:tickLblPos val="nextTo"/>
+        <c:txPr>
+          <a:bodyPr rot="0" vert="horz"/>
+          <a:lstStyle/>
+          <a:p>
+            <a:pPr>
+              <a:defRPr cap="none" sz="1000" i="0" b="0" u="none">
+                <a:solidFill>
+                  <a:srgbClr val="595959">
+                    <a:alpha val="100000"/>
+                  </a:srgbClr>
+                </a:solidFill>
+                <a:latin typeface="Corbel"/>
+                <a:cs typeface="Corbel"/>
+                <a:ea typeface="Corbel"/>
+                <a:sym typeface="Corbel"/>
+              </a:defRPr>
+            </a:pPr>
+          </a:p>
+        </c:txPr>
+        <c:spPr>
+          <a:ln algn="ctr" w="12700">
+            <a:solidFill>
+              <a:srgbClr val="D9D9D9">
+                <a:alpha val="100000"/>
+              </a:srgbClr>
+            </a:solidFill>
+            <a:prstDash val="solid"/>
+          </a:ln>
+        </c:spPr>
+        <c:numFmt formatCode="General" sourceLinked="0"/>
+        <c:crossAx val="64451712"/>
+        <c:crosses val="autoZero"/>
+      </c:valAx>
+    </c:plotArea>
+    <c:legend>
+      <c:legendPos val="b"/>
+      <c:layout/>
+      <c:overlay val="0"/>
+      <c:txPr xmlns:c="http://schemas.openxmlformats.org/drawingml/2006/chart" xmlns:a="http://schemas.openxmlformats.org/drawingml/2006/main">
+        <a:bodyPr/>
+        <a:lstStyle/>
+        <a:p>
+          <a:pPr>
+            <a:defRPr cap="none" sz="1200" i="0" b="0" u="none">
+              <a:solidFill>
+                <a:srgbClr val="595959">
+                  <a:alpha val="100000"/>
+                </a:srgbClr>
+              </a:solidFill>
+              <a:latin typeface="Corbel"/>
+              <a:cs typeface="Corbel"/>
+              <a:ea typeface="Corbel"/>
+              <a:sym typeface="Corbel"/>
+            </a:defRPr>
+          </a:pPr>
+        </a:p>
+      </c:txPr>
+    </c:legend>
     <c:plotVisOnly val="1"/>
     <c:dispBlanksAs val="gap"/>
     <c:showDLblsOverMax val="0"/>
@@ -5428,7 +5749,7 @@
           <a:p>
             <a:r>
               <a:rPr/>
-              <a:t>Largest EU economies (GDP; 2015 EUR million)</a:t>
+              <a:t>Largest EU economies in 2021 (GDP; 2015 EUR million)</a:t>
             </a:r>
           </a:p>
         </p:txBody>
@@ -5521,6 +5842,155 @@
           </a:graphicData>
         </a:graphic>
       </p:graphicFrame>
+    </p:spTree>
+  </p:cSld>
+  <p:clrMapOvr>
+    <a:masterClrMapping/>
+  </p:clrMapOvr>
+</p:sld>
+</file>
+
+<file path=ppt/slides/slide5.xml><?xml version="1.0" encoding="utf-8"?>
+<p:sld xmlns:a="http://schemas.openxmlformats.org/drawingml/2006/main" xmlns:r="http://schemas.openxmlformats.org/officeDocument/2006/relationships" xmlns:p="http://schemas.openxmlformats.org/presentationml/2006/main">
+  <p:cSld>
+    <p:spTree>
+      <p:nvGrpSpPr>
+        <p:cNvPr id="1" name=""/>
+        <p:cNvGrpSpPr/>
+        <p:nvPr/>
+      </p:nvGrpSpPr>
+      <p:grpSpPr>
+        <a:xfrm>
+          <a:off x="0" y="0"/>
+          <a:ext cx="0" cy="0"/>
+          <a:chOff x="0" y="0"/>
+          <a:chExt cx="0" cy="0"/>
+        </a:xfrm>
+      </p:grpSpPr>
+      <p:sp>
+        <p:nvSpPr>
+          <p:cNvPr id="2" name="Title 1"/>
+          <p:cNvSpPr>
+            <a:spLocks noGrp="1"/>
+          </p:cNvSpPr>
+          <p:nvPr>
+            <p:ph type="title"/>
+          </p:nvPr>
+        </p:nvSpPr>
+        <p:spPr>
+          <a:xfrm>
+            <a:off x="252919" y="1123837"/>
+            <a:ext cx="2947482" cy="4601183"/>
+          </a:xfrm>
+        </p:spPr>
+        <p:txBody>
+          <a:bodyPr/>
+          <a:lstStyle/>
+          <a:p>
+            <a:r>
+              <a:rPr/>
+              <a:t>Inflation against GDP</a:t>
+            </a:r>
+          </a:p>
+        </p:txBody>
+      </p:sp>
+      <p:graphicFrame>
+        <p:nvGraphicFramePr>
+          <p:cNvPr id="3" name="Content Placeholder 2"/>
+          <p:cNvGraphicFramePr>
+            <a:graphicFrameLocks noGrp="true"/>
+          </p:cNvGraphicFramePr>
+          <p:nvPr/>
+        </p:nvGraphicFramePr>
+        <p:xfrm rot="0">
+          <a:off x="3869268" y="864108"/>
+          <a:ext cx="7315200" cy="5120640"/>
+        </p:xfrm>
+        <a:graphic>
+          <a:graphicData uri="http://schemas.openxmlformats.org/drawingml/2006/chart">
+            <c:chart xmlns:c="http://schemas.openxmlformats.org/drawingml/2006/chart" r:id="rId2"/>
+          </a:graphicData>
+        </a:graphic>
+      </p:graphicFrame>
+    </p:spTree>
+  </p:cSld>
+  <p:clrMapOvr>
+    <a:masterClrMapping/>
+  </p:clrMapOvr>
+</p:sld>
+</file>
+
+<file path=ppt/slides/slide6.xml><?xml version="1.0" encoding="utf-8"?>
+<p:sld xmlns:a="http://schemas.openxmlformats.org/drawingml/2006/main" xmlns:r="http://schemas.openxmlformats.org/officeDocument/2006/relationships" xmlns:p="http://schemas.openxmlformats.org/presentationml/2006/main">
+  <p:cSld>
+    <p:spTree>
+      <p:nvGrpSpPr>
+        <p:cNvPr id="1" name=""/>
+        <p:cNvGrpSpPr/>
+        <p:nvPr/>
+      </p:nvGrpSpPr>
+      <p:grpSpPr>
+        <a:xfrm>
+          <a:off x="0" y="0"/>
+          <a:ext cx="0" cy="0"/>
+          <a:chOff x="0" y="0"/>
+          <a:chExt cx="0" cy="0"/>
+        </a:xfrm>
+      </p:grpSpPr>
+      <p:sp>
+        <p:nvSpPr>
+          <p:cNvPr id="2" name="Title 1"/>
+          <p:cNvSpPr>
+            <a:spLocks noGrp="1"/>
+          </p:cNvSpPr>
+          <p:nvPr>
+            <p:ph type="ctrTitle"/>
+          </p:nvPr>
+        </p:nvSpPr>
+        <p:spPr>
+          <a:xfrm>
+            <a:off x="1069848" y="1298448"/>
+            <a:ext cx="7315200" cy="3255264"/>
+          </a:xfrm>
+        </p:spPr>
+        <p:txBody>
+          <a:bodyPr/>
+          <a:lstStyle/>
+          <a:p>
+            <a:r>
+              <a:rPr/>
+              <a:t>Thank you!</a:t>
+            </a:r>
+          </a:p>
+        </p:txBody>
+      </p:sp>
+      <p:sp>
+        <p:nvSpPr>
+          <p:cNvPr id="3" name="Subtitle 2"/>
+          <p:cNvSpPr>
+            <a:spLocks noGrp="1"/>
+          </p:cNvSpPr>
+          <p:nvPr>
+            <p:ph type="subTitle" idx="1"/>
+          </p:nvPr>
+        </p:nvSpPr>
+        <p:spPr>
+          <a:xfrm>
+            <a:off x="1100015" y="4670246"/>
+            <a:ext cx="7315200" cy="914400"/>
+          </a:xfrm>
+        </p:spPr>
+        <p:txBody>
+          <a:bodyPr/>
+          <a:lstStyle/>
+          <a:p>
+            <a:r>
+              <a:rPr/>
+              <a:t>Feel free to approach me with any questions</a:t>
+            </a:r>
+          </a:p>
+        </p:txBody>
+      </p:sp>
     </p:spTree>
   </p:cSld>
   <p:clrMapOvr>
